--- a/TS_School_ORNL_oct_2019_koch.pptx
+++ b/TS_School_ORNL_oct_2019_koch.pptx
@@ -5,11 +5,17 @@
     <p:sldMasterId id="2147483648" r:id="rId1"/>
   </p:sldMasterIdLst>
   <p:notesMasterIdLst>
-    <p:notesMasterId r:id="rId4"/>
+    <p:notesMasterId r:id="rId10"/>
   </p:notesMasterIdLst>
   <p:sldIdLst>
     <p:sldId id="331" r:id="rId2"/>
     <p:sldId id="360" r:id="rId3"/>
+    <p:sldId id="362" r:id="rId4"/>
+    <p:sldId id="363" r:id="rId5"/>
+    <p:sldId id="366" r:id="rId6"/>
+    <p:sldId id="364" r:id="rId7"/>
+    <p:sldId id="365" r:id="rId8"/>
+    <p:sldId id="361" r:id="rId9"/>
   </p:sldIdLst>
   <p:sldSz cx="12192000" cy="6858000"/>
   <p:notesSz cx="6858000" cy="9144000"/>
@@ -697,6 +703,570 @@
     <p:extLst>
       <p:ext uri="{BB962C8B-B14F-4D97-AF65-F5344CB8AC3E}">
         <p14:creationId xmlns:p14="http://schemas.microsoft.com/office/powerpoint/2010/main" val="1720564863"/>
+      </p:ext>
+    </p:extLst>
+  </p:cSld>
+  <p:clrMapOvr>
+    <a:masterClrMapping/>
+  </p:clrMapOvr>
+</p:notes>
+</file>
+
+<file path=ppt/notesSlides/notesSlide3.xml><?xml version="1.0" encoding="utf-8"?>
+<p:notes xmlns:a="http://schemas.openxmlformats.org/drawingml/2006/main" xmlns:r="http://schemas.openxmlformats.org/officeDocument/2006/relationships" xmlns:p="http://schemas.openxmlformats.org/presentationml/2006/main">
+  <p:cSld>
+    <p:spTree>
+      <p:nvGrpSpPr>
+        <p:cNvPr id="1" name=""/>
+        <p:cNvGrpSpPr/>
+        <p:nvPr/>
+      </p:nvGrpSpPr>
+      <p:grpSpPr>
+        <a:xfrm>
+          <a:off x="0" y="0"/>
+          <a:ext cx="0" cy="0"/>
+          <a:chOff x="0" y="0"/>
+          <a:chExt cx="0" cy="0"/>
+        </a:xfrm>
+      </p:grpSpPr>
+      <p:sp>
+        <p:nvSpPr>
+          <p:cNvPr id="2" name="Slide Image Placeholder 1"/>
+          <p:cNvSpPr>
+            <a:spLocks noGrp="1" noRot="1" noChangeAspect="1"/>
+          </p:cNvSpPr>
+          <p:nvPr>
+            <p:ph type="sldImg"/>
+          </p:nvPr>
+        </p:nvSpPr>
+        <p:spPr>
+          <a:xfrm>
+            <a:off x="396875" y="692150"/>
+            <a:ext cx="6156325" cy="3463925"/>
+          </a:xfrm>
+        </p:spPr>
+      </p:sp>
+      <p:sp>
+        <p:nvSpPr>
+          <p:cNvPr id="3" name="Notes Placeholder 2"/>
+          <p:cNvSpPr>
+            <a:spLocks noGrp="1"/>
+          </p:cNvSpPr>
+          <p:nvPr>
+            <p:ph type="body" idx="1"/>
+          </p:nvPr>
+        </p:nvSpPr>
+        <p:spPr/>
+        <p:txBody>
+          <a:bodyPr/>
+          <a:lstStyle/>
+          <a:p>
+            <a:pPr marL="171450" indent="-171450">
+              <a:buFont typeface="Arial" panose="020B0604020202020204" pitchFamily="34" charset="0"/>
+              <a:buChar char="•"/>
+            </a:pPr>
+            <a:endParaRPr lang="en-US" dirty="0"/>
+          </a:p>
+        </p:txBody>
+      </p:sp>
+      <p:sp>
+        <p:nvSpPr>
+          <p:cNvPr id="4" name="Slide Number Placeholder 3"/>
+          <p:cNvSpPr>
+            <a:spLocks noGrp="1"/>
+          </p:cNvSpPr>
+          <p:nvPr>
+            <p:ph type="sldNum" sz="quarter" idx="10"/>
+          </p:nvPr>
+        </p:nvSpPr>
+        <p:spPr/>
+        <p:txBody>
+          <a:bodyPr/>
+          <a:lstStyle/>
+          <a:p>
+            <a:fld id="{4930E46F-F841-46C9-9808-BB34BEFECB47}" type="slidenum">
+              <a:rPr lang="en-US" smtClean="0"/>
+              <a:pPr/>
+              <a:t>3</a:t>
+            </a:fld>
+            <a:endParaRPr lang="en-US" dirty="0"/>
+          </a:p>
+        </p:txBody>
+      </p:sp>
+    </p:spTree>
+    <p:extLst>
+      <p:ext uri="{BB962C8B-B14F-4D97-AF65-F5344CB8AC3E}">
+        <p14:creationId xmlns:p14="http://schemas.microsoft.com/office/powerpoint/2010/main" val="264048290"/>
+      </p:ext>
+    </p:extLst>
+  </p:cSld>
+  <p:clrMapOvr>
+    <a:masterClrMapping/>
+  </p:clrMapOvr>
+</p:notes>
+</file>
+
+<file path=ppt/notesSlides/notesSlide4.xml><?xml version="1.0" encoding="utf-8"?>
+<p:notes xmlns:a="http://schemas.openxmlformats.org/drawingml/2006/main" xmlns:r="http://schemas.openxmlformats.org/officeDocument/2006/relationships" xmlns:p="http://schemas.openxmlformats.org/presentationml/2006/main">
+  <p:cSld>
+    <p:spTree>
+      <p:nvGrpSpPr>
+        <p:cNvPr id="1" name=""/>
+        <p:cNvGrpSpPr/>
+        <p:nvPr/>
+      </p:nvGrpSpPr>
+      <p:grpSpPr>
+        <a:xfrm>
+          <a:off x="0" y="0"/>
+          <a:ext cx="0" cy="0"/>
+          <a:chOff x="0" y="0"/>
+          <a:chExt cx="0" cy="0"/>
+        </a:xfrm>
+      </p:grpSpPr>
+      <p:sp>
+        <p:nvSpPr>
+          <p:cNvPr id="2" name="Slide Image Placeholder 1"/>
+          <p:cNvSpPr>
+            <a:spLocks noGrp="1" noRot="1" noChangeAspect="1"/>
+          </p:cNvSpPr>
+          <p:nvPr>
+            <p:ph type="sldImg"/>
+          </p:nvPr>
+        </p:nvSpPr>
+        <p:spPr>
+          <a:xfrm>
+            <a:off x="396875" y="692150"/>
+            <a:ext cx="6156325" cy="3463925"/>
+          </a:xfrm>
+        </p:spPr>
+      </p:sp>
+      <p:sp>
+        <p:nvSpPr>
+          <p:cNvPr id="3" name="Notes Placeholder 2"/>
+          <p:cNvSpPr>
+            <a:spLocks noGrp="1"/>
+          </p:cNvSpPr>
+          <p:nvPr>
+            <p:ph type="body" idx="1"/>
+          </p:nvPr>
+        </p:nvSpPr>
+        <p:spPr/>
+        <p:txBody>
+          <a:bodyPr/>
+          <a:lstStyle/>
+          <a:p>
+            <a:pPr marL="171450" indent="-171450">
+              <a:buFont typeface="Arial" panose="020B0604020202020204" pitchFamily="34" charset="0"/>
+              <a:buChar char="•"/>
+            </a:pPr>
+            <a:endParaRPr lang="en-US" dirty="0"/>
+          </a:p>
+        </p:txBody>
+      </p:sp>
+      <p:sp>
+        <p:nvSpPr>
+          <p:cNvPr id="4" name="Slide Number Placeholder 3"/>
+          <p:cNvSpPr>
+            <a:spLocks noGrp="1"/>
+          </p:cNvSpPr>
+          <p:nvPr>
+            <p:ph type="sldNum" sz="quarter" idx="10"/>
+          </p:nvPr>
+        </p:nvSpPr>
+        <p:spPr/>
+        <p:txBody>
+          <a:bodyPr/>
+          <a:lstStyle/>
+          <a:p>
+            <a:fld id="{4930E46F-F841-46C9-9808-BB34BEFECB47}" type="slidenum">
+              <a:rPr lang="en-US" smtClean="0"/>
+              <a:pPr/>
+              <a:t>4</a:t>
+            </a:fld>
+            <a:endParaRPr lang="en-US" dirty="0"/>
+          </a:p>
+        </p:txBody>
+      </p:sp>
+    </p:spTree>
+    <p:extLst>
+      <p:ext uri="{BB962C8B-B14F-4D97-AF65-F5344CB8AC3E}">
+        <p14:creationId xmlns:p14="http://schemas.microsoft.com/office/powerpoint/2010/main" val="3674969754"/>
+      </p:ext>
+    </p:extLst>
+  </p:cSld>
+  <p:clrMapOvr>
+    <a:masterClrMapping/>
+  </p:clrMapOvr>
+</p:notes>
+</file>
+
+<file path=ppt/notesSlides/notesSlide5.xml><?xml version="1.0" encoding="utf-8"?>
+<p:notes xmlns:a="http://schemas.openxmlformats.org/drawingml/2006/main" xmlns:r="http://schemas.openxmlformats.org/officeDocument/2006/relationships" xmlns:p="http://schemas.openxmlformats.org/presentationml/2006/main">
+  <p:cSld>
+    <p:spTree>
+      <p:nvGrpSpPr>
+        <p:cNvPr id="1" name=""/>
+        <p:cNvGrpSpPr/>
+        <p:nvPr/>
+      </p:nvGrpSpPr>
+      <p:grpSpPr>
+        <a:xfrm>
+          <a:off x="0" y="0"/>
+          <a:ext cx="0" cy="0"/>
+          <a:chOff x="0" y="0"/>
+          <a:chExt cx="0" cy="0"/>
+        </a:xfrm>
+      </p:grpSpPr>
+      <p:sp>
+        <p:nvSpPr>
+          <p:cNvPr id="2" name="Slide Image Placeholder 1"/>
+          <p:cNvSpPr>
+            <a:spLocks noGrp="1" noRot="1" noChangeAspect="1"/>
+          </p:cNvSpPr>
+          <p:nvPr>
+            <p:ph type="sldImg"/>
+          </p:nvPr>
+        </p:nvSpPr>
+        <p:spPr>
+          <a:xfrm>
+            <a:off x="396875" y="692150"/>
+            <a:ext cx="6156325" cy="3463925"/>
+          </a:xfrm>
+        </p:spPr>
+      </p:sp>
+      <p:sp>
+        <p:nvSpPr>
+          <p:cNvPr id="3" name="Notes Placeholder 2"/>
+          <p:cNvSpPr>
+            <a:spLocks noGrp="1"/>
+          </p:cNvSpPr>
+          <p:nvPr>
+            <p:ph type="body" idx="1"/>
+          </p:nvPr>
+        </p:nvSpPr>
+        <p:spPr/>
+        <p:txBody>
+          <a:bodyPr/>
+          <a:lstStyle/>
+          <a:p>
+            <a:pPr marL="171450" indent="-171450">
+              <a:buFont typeface="Arial" panose="020B0604020202020204" pitchFamily="34" charset="0"/>
+              <a:buChar char="•"/>
+            </a:pPr>
+            <a:endParaRPr lang="en-US" dirty="0"/>
+          </a:p>
+        </p:txBody>
+      </p:sp>
+      <p:sp>
+        <p:nvSpPr>
+          <p:cNvPr id="4" name="Slide Number Placeholder 3"/>
+          <p:cNvSpPr>
+            <a:spLocks noGrp="1"/>
+          </p:cNvSpPr>
+          <p:nvPr>
+            <p:ph type="sldNum" sz="quarter" idx="10"/>
+          </p:nvPr>
+        </p:nvSpPr>
+        <p:spPr/>
+        <p:txBody>
+          <a:bodyPr/>
+          <a:lstStyle/>
+          <a:p>
+            <a:fld id="{4930E46F-F841-46C9-9808-BB34BEFECB47}" type="slidenum">
+              <a:rPr lang="en-US" smtClean="0"/>
+              <a:pPr/>
+              <a:t>5</a:t>
+            </a:fld>
+            <a:endParaRPr lang="en-US" dirty="0"/>
+          </a:p>
+        </p:txBody>
+      </p:sp>
+    </p:spTree>
+    <p:extLst>
+      <p:ext uri="{BB962C8B-B14F-4D97-AF65-F5344CB8AC3E}">
+        <p14:creationId xmlns:p14="http://schemas.microsoft.com/office/powerpoint/2010/main" val="4201083483"/>
+      </p:ext>
+    </p:extLst>
+  </p:cSld>
+  <p:clrMapOvr>
+    <a:masterClrMapping/>
+  </p:clrMapOvr>
+</p:notes>
+</file>
+
+<file path=ppt/notesSlides/notesSlide6.xml><?xml version="1.0" encoding="utf-8"?>
+<p:notes xmlns:a="http://schemas.openxmlformats.org/drawingml/2006/main" xmlns:r="http://schemas.openxmlformats.org/officeDocument/2006/relationships" xmlns:p="http://schemas.openxmlformats.org/presentationml/2006/main">
+  <p:cSld>
+    <p:spTree>
+      <p:nvGrpSpPr>
+        <p:cNvPr id="1" name=""/>
+        <p:cNvGrpSpPr/>
+        <p:nvPr/>
+      </p:nvGrpSpPr>
+      <p:grpSpPr>
+        <a:xfrm>
+          <a:off x="0" y="0"/>
+          <a:ext cx="0" cy="0"/>
+          <a:chOff x="0" y="0"/>
+          <a:chExt cx="0" cy="0"/>
+        </a:xfrm>
+      </p:grpSpPr>
+      <p:sp>
+        <p:nvSpPr>
+          <p:cNvPr id="2" name="Slide Image Placeholder 1"/>
+          <p:cNvSpPr>
+            <a:spLocks noGrp="1" noRot="1" noChangeAspect="1"/>
+          </p:cNvSpPr>
+          <p:nvPr>
+            <p:ph type="sldImg"/>
+          </p:nvPr>
+        </p:nvSpPr>
+        <p:spPr>
+          <a:xfrm>
+            <a:off x="396875" y="692150"/>
+            <a:ext cx="6156325" cy="3463925"/>
+          </a:xfrm>
+        </p:spPr>
+      </p:sp>
+      <p:sp>
+        <p:nvSpPr>
+          <p:cNvPr id="3" name="Notes Placeholder 2"/>
+          <p:cNvSpPr>
+            <a:spLocks noGrp="1"/>
+          </p:cNvSpPr>
+          <p:nvPr>
+            <p:ph type="body" idx="1"/>
+          </p:nvPr>
+        </p:nvSpPr>
+        <p:spPr/>
+        <p:txBody>
+          <a:bodyPr/>
+          <a:lstStyle/>
+          <a:p>
+            <a:pPr marL="171450" indent="-171450">
+              <a:buFont typeface="Arial" panose="020B0604020202020204" pitchFamily="34" charset="0"/>
+              <a:buChar char="•"/>
+            </a:pPr>
+            <a:endParaRPr lang="en-US" dirty="0"/>
+          </a:p>
+        </p:txBody>
+      </p:sp>
+      <p:sp>
+        <p:nvSpPr>
+          <p:cNvPr id="4" name="Slide Number Placeholder 3"/>
+          <p:cNvSpPr>
+            <a:spLocks noGrp="1"/>
+          </p:cNvSpPr>
+          <p:nvPr>
+            <p:ph type="sldNum" sz="quarter" idx="10"/>
+          </p:nvPr>
+        </p:nvSpPr>
+        <p:spPr/>
+        <p:txBody>
+          <a:bodyPr/>
+          <a:lstStyle/>
+          <a:p>
+            <a:fld id="{4930E46F-F841-46C9-9808-BB34BEFECB47}" type="slidenum">
+              <a:rPr lang="en-US" smtClean="0"/>
+              <a:pPr/>
+              <a:t>6</a:t>
+            </a:fld>
+            <a:endParaRPr lang="en-US" dirty="0"/>
+          </a:p>
+        </p:txBody>
+      </p:sp>
+    </p:spTree>
+    <p:extLst>
+      <p:ext uri="{BB962C8B-B14F-4D97-AF65-F5344CB8AC3E}">
+        <p14:creationId xmlns:p14="http://schemas.microsoft.com/office/powerpoint/2010/main" val="2908009167"/>
+      </p:ext>
+    </p:extLst>
+  </p:cSld>
+  <p:clrMapOvr>
+    <a:masterClrMapping/>
+  </p:clrMapOvr>
+</p:notes>
+</file>
+
+<file path=ppt/notesSlides/notesSlide7.xml><?xml version="1.0" encoding="utf-8"?>
+<p:notes xmlns:a="http://schemas.openxmlformats.org/drawingml/2006/main" xmlns:r="http://schemas.openxmlformats.org/officeDocument/2006/relationships" xmlns:p="http://schemas.openxmlformats.org/presentationml/2006/main">
+  <p:cSld>
+    <p:spTree>
+      <p:nvGrpSpPr>
+        <p:cNvPr id="1" name=""/>
+        <p:cNvGrpSpPr/>
+        <p:nvPr/>
+      </p:nvGrpSpPr>
+      <p:grpSpPr>
+        <a:xfrm>
+          <a:off x="0" y="0"/>
+          <a:ext cx="0" cy="0"/>
+          <a:chOff x="0" y="0"/>
+          <a:chExt cx="0" cy="0"/>
+        </a:xfrm>
+      </p:grpSpPr>
+      <p:sp>
+        <p:nvSpPr>
+          <p:cNvPr id="2" name="Slide Image Placeholder 1"/>
+          <p:cNvSpPr>
+            <a:spLocks noGrp="1" noRot="1" noChangeAspect="1"/>
+          </p:cNvSpPr>
+          <p:nvPr>
+            <p:ph type="sldImg"/>
+          </p:nvPr>
+        </p:nvSpPr>
+        <p:spPr>
+          <a:xfrm>
+            <a:off x="396875" y="692150"/>
+            <a:ext cx="6156325" cy="3463925"/>
+          </a:xfrm>
+        </p:spPr>
+      </p:sp>
+      <p:sp>
+        <p:nvSpPr>
+          <p:cNvPr id="3" name="Notes Placeholder 2"/>
+          <p:cNvSpPr>
+            <a:spLocks noGrp="1"/>
+          </p:cNvSpPr>
+          <p:nvPr>
+            <p:ph type="body" idx="1"/>
+          </p:nvPr>
+        </p:nvSpPr>
+        <p:spPr/>
+        <p:txBody>
+          <a:bodyPr/>
+          <a:lstStyle/>
+          <a:p>
+            <a:pPr marL="171450" indent="-171450">
+              <a:buFont typeface="Arial" panose="020B0604020202020204" pitchFamily="34" charset="0"/>
+              <a:buChar char="•"/>
+            </a:pPr>
+            <a:endParaRPr lang="en-US" dirty="0"/>
+          </a:p>
+        </p:txBody>
+      </p:sp>
+      <p:sp>
+        <p:nvSpPr>
+          <p:cNvPr id="4" name="Slide Number Placeholder 3"/>
+          <p:cNvSpPr>
+            <a:spLocks noGrp="1"/>
+          </p:cNvSpPr>
+          <p:nvPr>
+            <p:ph type="sldNum" sz="quarter" idx="10"/>
+          </p:nvPr>
+        </p:nvSpPr>
+        <p:spPr/>
+        <p:txBody>
+          <a:bodyPr/>
+          <a:lstStyle/>
+          <a:p>
+            <a:fld id="{4930E46F-F841-46C9-9808-BB34BEFECB47}" type="slidenum">
+              <a:rPr lang="en-US" smtClean="0"/>
+              <a:pPr/>
+              <a:t>7</a:t>
+            </a:fld>
+            <a:endParaRPr lang="en-US" dirty="0"/>
+          </a:p>
+        </p:txBody>
+      </p:sp>
+    </p:spTree>
+    <p:extLst>
+      <p:ext uri="{BB962C8B-B14F-4D97-AF65-F5344CB8AC3E}">
+        <p14:creationId xmlns:p14="http://schemas.microsoft.com/office/powerpoint/2010/main" val="1383621847"/>
+      </p:ext>
+    </p:extLst>
+  </p:cSld>
+  <p:clrMapOvr>
+    <a:masterClrMapping/>
+  </p:clrMapOvr>
+</p:notes>
+</file>
+
+<file path=ppt/notesSlides/notesSlide8.xml><?xml version="1.0" encoding="utf-8"?>
+<p:notes xmlns:a="http://schemas.openxmlformats.org/drawingml/2006/main" xmlns:r="http://schemas.openxmlformats.org/officeDocument/2006/relationships" xmlns:p="http://schemas.openxmlformats.org/presentationml/2006/main">
+  <p:cSld>
+    <p:spTree>
+      <p:nvGrpSpPr>
+        <p:cNvPr id="1" name=""/>
+        <p:cNvGrpSpPr/>
+        <p:nvPr/>
+      </p:nvGrpSpPr>
+      <p:grpSpPr>
+        <a:xfrm>
+          <a:off x="0" y="0"/>
+          <a:ext cx="0" cy="0"/>
+          <a:chOff x="0" y="0"/>
+          <a:chExt cx="0" cy="0"/>
+        </a:xfrm>
+      </p:grpSpPr>
+      <p:sp>
+        <p:nvSpPr>
+          <p:cNvPr id="2" name="Slide Image Placeholder 1"/>
+          <p:cNvSpPr>
+            <a:spLocks noGrp="1" noRot="1" noChangeAspect="1"/>
+          </p:cNvSpPr>
+          <p:nvPr>
+            <p:ph type="sldImg"/>
+          </p:nvPr>
+        </p:nvSpPr>
+        <p:spPr>
+          <a:xfrm>
+            <a:off x="396875" y="692150"/>
+            <a:ext cx="6156325" cy="3463925"/>
+          </a:xfrm>
+        </p:spPr>
+      </p:sp>
+      <p:sp>
+        <p:nvSpPr>
+          <p:cNvPr id="3" name="Notes Placeholder 2"/>
+          <p:cNvSpPr>
+            <a:spLocks noGrp="1"/>
+          </p:cNvSpPr>
+          <p:nvPr>
+            <p:ph type="body" idx="1"/>
+          </p:nvPr>
+        </p:nvSpPr>
+        <p:spPr/>
+        <p:txBody>
+          <a:bodyPr/>
+          <a:lstStyle/>
+          <a:p>
+            <a:pPr marL="171450" indent="-171450">
+              <a:buFont typeface="Arial" panose="020B0604020202020204" pitchFamily="34" charset="0"/>
+              <a:buChar char="•"/>
+            </a:pPr>
+            <a:endParaRPr lang="en-US" dirty="0"/>
+          </a:p>
+        </p:txBody>
+      </p:sp>
+      <p:sp>
+        <p:nvSpPr>
+          <p:cNvPr id="4" name="Slide Number Placeholder 3"/>
+          <p:cNvSpPr>
+            <a:spLocks noGrp="1"/>
+          </p:cNvSpPr>
+          <p:nvPr>
+            <p:ph type="sldNum" sz="quarter" idx="10"/>
+          </p:nvPr>
+        </p:nvSpPr>
+        <p:spPr/>
+        <p:txBody>
+          <a:bodyPr/>
+          <a:lstStyle/>
+          <a:p>
+            <a:fld id="{4930E46F-F841-46C9-9808-BB34BEFECB47}" type="slidenum">
+              <a:rPr lang="en-US" smtClean="0"/>
+              <a:pPr/>
+              <a:t>8</a:t>
+            </a:fld>
+            <a:endParaRPr lang="en-US" dirty="0"/>
+          </a:p>
+        </p:txBody>
+      </p:sp>
+    </p:spTree>
+    <p:extLst>
+      <p:ext uri="{BB962C8B-B14F-4D97-AF65-F5344CB8AC3E}">
+        <p14:creationId xmlns:p14="http://schemas.microsoft.com/office/powerpoint/2010/main" val="2266970956"/>
       </p:ext>
     </p:extLst>
   </p:cSld>
@@ -4186,7 +4756,7 @@
         <p:spPr>
           <a:xfrm>
             <a:off x="0" y="1920946"/>
-            <a:ext cx="12192000" cy="400110"/>
+            <a:ext cx="12192000" cy="707886"/>
           </a:xfrm>
           <a:prstGeom prst="rect">
             <a:avLst/>
@@ -4204,12 +4774,18 @@
                 <a:latin typeface="Arial" panose="020B0604020202020204" pitchFamily="34" charset="0"/>
                 <a:cs typeface="Arial" panose="020B0604020202020204" pitchFamily="34" charset="0"/>
               </a:rPr>
-              <a:t>R. J. Koch</a:t>
-            </a:r>
-            <a:endParaRPr lang="en-US" dirty="0">
-              <a:latin typeface="Arial" panose="020B0604020202020204" pitchFamily="34" charset="0"/>
-              <a:cs typeface="Arial" panose="020B0604020202020204" pitchFamily="34" charset="0"/>
-            </a:endParaRPr>
+              <a:t>Rob Koch</a:t>
+            </a:r>
+          </a:p>
+          <a:p>
+            <a:pPr algn="ctr"/>
+            <a:r>
+              <a:rPr lang="en-US" sz="2000" dirty="0">
+                <a:latin typeface="Arial" panose="020B0604020202020204" pitchFamily="34" charset="0"/>
+                <a:cs typeface="Arial" panose="020B0604020202020204" pitchFamily="34" charset="0"/>
+              </a:rPr>
+              <a:t>Brookhaven Lab</a:t>
+            </a:r>
           </a:p>
         </p:txBody>
       </p:sp>
@@ -4245,6 +4821,19 @@
               </a:spcBef>
             </a:pPr>
             <a:r>
+              <a:rPr lang="en-US" sz="4267" b="1" dirty="0" err="1">
+                <a:solidFill>
+                  <a:schemeClr val="tx2">
+                    <a:lumMod val="50000"/>
+                  </a:schemeClr>
+                </a:solidFill>
+                <a:latin typeface="Arial Narrow" panose="020B0606020202030204" pitchFamily="34" charset="0"/>
+                <a:ea typeface="+mj-ea"/>
+                <a:cs typeface="Arial" panose="020B0604020202020204" pitchFamily="34" charset="0"/>
+              </a:rPr>
+              <a:t>Diffpy</a:t>
+            </a:r>
+            <a:r>
               <a:rPr lang="en-US" sz="4267" b="1" dirty="0">
                 <a:solidFill>
                   <a:schemeClr val="tx2">
@@ -4255,7 +4844,7 @@
                 <a:ea typeface="+mj-ea"/>
                 <a:cs typeface="Arial" panose="020B0604020202020204" pitchFamily="34" charset="0"/>
               </a:rPr>
-              <a:t>Group meeting, update</a:t>
+              <a:t>-CMI, </a:t>
             </a:r>
             <a:endParaRPr lang="en-US" sz="4267" b="1" baseline="-25000" dirty="0">
               <a:solidFill>
@@ -4386,7 +4975,7 @@
         <p:spPr>
           <a:xfrm>
             <a:off x="0" y="1081606"/>
-            <a:ext cx="8458200" cy="1200329"/>
+            <a:ext cx="8458200" cy="2015936"/>
           </a:xfrm>
           <a:prstGeom prst="rect">
             <a:avLst/>
@@ -4405,62 +4994,10 @@
             </a:pPr>
             <a:r>
               <a:rPr lang="en-US" sz="2400" dirty="0">
-                <a:effectLst/>
                 <a:latin typeface="Arial Narrow" panose="020B0606020202030204" pitchFamily="34" charset="0"/>
               </a:rPr>
-              <a:t>Background on </a:t>
-            </a:r>
-            <a:r>
-              <a:rPr lang="en-US" sz="2400" dirty="0">
-                <a:latin typeface="Arial Narrow" panose="020B0606020202030204" pitchFamily="34" charset="0"/>
-              </a:rPr>
-              <a:t>K</a:t>
-            </a:r>
-            <a:r>
-              <a:rPr lang="en-US" sz="2400" baseline="-25000" dirty="0">
-                <a:latin typeface="Arial Narrow" panose="020B0606020202030204" pitchFamily="34" charset="0"/>
-              </a:rPr>
-              <a:t>x</a:t>
-            </a:r>
-            <a:r>
-              <a:rPr lang="en-US" sz="2400" dirty="0">
-                <a:latin typeface="Arial Narrow" panose="020B0606020202030204" pitchFamily="34" charset="0"/>
-              </a:rPr>
-              <a:t>Fe</a:t>
-            </a:r>
-            <a:r>
-              <a:rPr lang="en-US" sz="2400" baseline="-25000" dirty="0">
-                <a:latin typeface="Arial Narrow" panose="020B0606020202030204" pitchFamily="34" charset="0"/>
-              </a:rPr>
-              <a:t>2-y</a:t>
-            </a:r>
-            <a:r>
-              <a:rPr lang="en-US" sz="2400" dirty="0">
-                <a:latin typeface="Arial Narrow" panose="020B0606020202030204" pitchFamily="34" charset="0"/>
-              </a:rPr>
-              <a:t>Se</a:t>
-            </a:r>
-            <a:r>
-              <a:rPr lang="en-US" sz="2400" baseline="-25000" dirty="0">
-                <a:latin typeface="Arial Narrow" panose="020B0606020202030204" pitchFamily="34" charset="0"/>
-              </a:rPr>
-              <a:t>2-z</a:t>
-            </a:r>
-            <a:r>
-              <a:rPr lang="en-US" sz="2400" dirty="0">
-                <a:latin typeface="Arial Narrow" panose="020B0606020202030204" pitchFamily="34" charset="0"/>
-              </a:rPr>
-              <a:t>S</a:t>
-            </a:r>
-            <a:r>
-              <a:rPr lang="en-US" sz="2400" baseline="-25000" dirty="0">
-                <a:latin typeface="Arial Narrow" panose="020B0606020202030204" pitchFamily="34" charset="0"/>
-              </a:rPr>
-              <a:t>z</a:t>
-            </a:r>
-            <a:endParaRPr lang="en-US" sz="2400" dirty="0">
-              <a:latin typeface="Arial Narrow" panose="020B0606020202030204" pitchFamily="34" charset="0"/>
-            </a:endParaRPr>
+              <a:t>Python? No silly walks here…</a:t>
+            </a:r>
           </a:p>
           <a:p>
             <a:pPr marL="342900" indent="-342900">
@@ -4468,56 +5005,17 @@
               <a:buChar char="•"/>
             </a:pPr>
             <a:r>
+              <a:rPr lang="en-US" sz="2400" dirty="0" err="1">
+                <a:latin typeface="Arial Narrow" panose="020B0606020202030204" pitchFamily="34" charset="0"/>
+              </a:rPr>
+              <a:t>Diffpy</a:t>
+            </a:r>
+            <a:r>
               <a:rPr lang="en-US" sz="2400" dirty="0">
                 <a:latin typeface="Arial Narrow" panose="020B0606020202030204" pitchFamily="34" charset="0"/>
               </a:rPr>
-              <a:t>Our neutron total scattering studies on K</a:t>
-            </a:r>
-            <a:r>
-              <a:rPr lang="en-US" sz="2400" baseline="-25000" dirty="0">
-                <a:latin typeface="Arial Narrow" panose="020B0606020202030204" pitchFamily="34" charset="0"/>
-              </a:rPr>
-              <a:t>x</a:t>
-            </a:r>
-            <a:r>
-              <a:rPr lang="en-US" sz="2400" dirty="0">
-                <a:latin typeface="Arial Narrow" panose="020B0606020202030204" pitchFamily="34" charset="0"/>
-              </a:rPr>
-              <a:t>Fe</a:t>
-            </a:r>
-            <a:r>
-              <a:rPr lang="en-US" sz="2400" baseline="-25000" dirty="0">
-                <a:latin typeface="Arial Narrow" panose="020B0606020202030204" pitchFamily="34" charset="0"/>
-              </a:rPr>
-              <a:t>2-y</a:t>
-            </a:r>
-            <a:r>
-              <a:rPr lang="en-US" sz="2400" dirty="0">
-                <a:latin typeface="Arial Narrow" panose="020B0606020202030204" pitchFamily="34" charset="0"/>
-              </a:rPr>
-              <a:t>Se</a:t>
-            </a:r>
-            <a:r>
-              <a:rPr lang="en-US" sz="2400" baseline="-25000" dirty="0">
-                <a:latin typeface="Arial Narrow" panose="020B0606020202030204" pitchFamily="34" charset="0"/>
-              </a:rPr>
-              <a:t>2-z</a:t>
-            </a:r>
-            <a:r>
-              <a:rPr lang="en-US" sz="2400" dirty="0">
-                <a:latin typeface="Arial Narrow" panose="020B0606020202030204" pitchFamily="34" charset="0"/>
-              </a:rPr>
-              <a:t>S</a:t>
-            </a:r>
-            <a:r>
-              <a:rPr lang="en-US" sz="2400" baseline="-25000" dirty="0">
-                <a:latin typeface="Arial Narrow" panose="020B0606020202030204" pitchFamily="34" charset="0"/>
-              </a:rPr>
-              <a:t>z</a:t>
-            </a:r>
-            <a:endParaRPr lang="en-US" sz="2400" dirty="0">
-              <a:latin typeface="Arial Narrow" panose="020B0606020202030204" pitchFamily="34" charset="0"/>
-            </a:endParaRPr>
+              <a:t>-CMI</a:t>
+            </a:r>
           </a:p>
           <a:p>
             <a:pPr marL="342900" indent="-342900">
@@ -4528,19 +5026,49 @@
               <a:rPr lang="en-US" sz="2400" dirty="0">
                 <a:latin typeface="Arial Narrow" panose="020B0606020202030204" pitchFamily="34" charset="0"/>
               </a:rPr>
-              <a:t>3D-</a:t>
-            </a:r>
-            <a:r>
-              <a:rPr lang="el-GR" sz="2400" dirty="0">
-                <a:latin typeface="Arial Narrow" panose="020B0606020202030204" pitchFamily="34" charset="0"/>
-              </a:rPr>
-              <a:t>Δ</a:t>
-            </a:r>
+              <a:t>Beating a dead horse: fitting Nickel</a:t>
+            </a:r>
+          </a:p>
+          <a:p>
+            <a:pPr marL="342900" indent="-342900">
+              <a:buFont typeface="Arial" panose="020B0604020202020204" pitchFamily="34" charset="0"/>
+              <a:buChar char="•"/>
+            </a:pPr>
             <a:r>
               <a:rPr lang="en-US" sz="2400" dirty="0">
                 <a:latin typeface="Arial Narrow" panose="020B0606020202030204" pitchFamily="34" charset="0"/>
               </a:rPr>
-              <a:t>PDF progress</a:t>
+              <a:t>Dead horse reprise: Nanocrystals</a:t>
+            </a:r>
+          </a:p>
+          <a:p>
+            <a:pPr marL="342900" indent="-342900">
+              <a:buFont typeface="Arial" panose="020B0604020202020204" pitchFamily="34" charset="0"/>
+              <a:buChar char="•"/>
+            </a:pPr>
+            <a:r>
+              <a:rPr lang="en-US" sz="2400" dirty="0">
+                <a:latin typeface="Arial Narrow" panose="020B0606020202030204" pitchFamily="34" charset="0"/>
+              </a:rPr>
+              <a:t>Some physics: the case of SrFe</a:t>
+            </a:r>
+            <a:r>
+              <a:rPr lang="en-US" sz="2400" baseline="-25000" dirty="0">
+                <a:latin typeface="Arial Narrow" panose="020B0606020202030204" pitchFamily="34" charset="0"/>
+              </a:rPr>
+              <a:t>2</a:t>
+            </a:r>
+            <a:r>
+              <a:rPr lang="en-US" sz="2400" dirty="0">
+                <a:latin typeface="Arial Narrow" panose="020B0606020202030204" pitchFamily="34" charset="0"/>
+              </a:rPr>
+              <a:t>As</a:t>
+            </a:r>
+            <a:r>
+              <a:rPr lang="en-US" sz="2400" baseline="-25000" dirty="0">
+                <a:latin typeface="Arial Narrow" panose="020B0606020202030204" pitchFamily="34" charset="0"/>
+              </a:rPr>
+              <a:t>2</a:t>
             </a:r>
           </a:p>
         </p:txBody>
@@ -4569,7 +5097,2848 @@
 </p:sld>
 </file>
 
+<file path=ppt/slides/slide3.xml><?xml version="1.0" encoding="utf-8"?>
+<p:sld xmlns:a="http://schemas.openxmlformats.org/drawingml/2006/main" xmlns:r="http://schemas.openxmlformats.org/officeDocument/2006/relationships" xmlns:p="http://schemas.openxmlformats.org/presentationml/2006/main">
+  <p:cSld>
+    <p:spTree>
+      <p:nvGrpSpPr>
+        <p:cNvPr id="1" name=""/>
+        <p:cNvGrpSpPr/>
+        <p:nvPr/>
+      </p:nvGrpSpPr>
+      <p:grpSpPr>
+        <a:xfrm>
+          <a:off x="0" y="0"/>
+          <a:ext cx="0" cy="0"/>
+          <a:chOff x="0" y="0"/>
+          <a:chExt cx="0" cy="0"/>
+        </a:xfrm>
+      </p:grpSpPr>
+      <p:sp>
+        <p:nvSpPr>
+          <p:cNvPr id="2" name="Title 1">
+            <a:extLst>
+              <a:ext uri="{FF2B5EF4-FFF2-40B4-BE49-F238E27FC236}">
+                <a16:creationId xmlns:a16="http://schemas.microsoft.com/office/drawing/2014/main" id="{AFB563CE-1DCC-491C-B8D2-0C02DF5BBBE6}"/>
+              </a:ext>
+            </a:extLst>
+          </p:cNvPr>
+          <p:cNvSpPr txBox="1">
+            <a:spLocks/>
+          </p:cNvSpPr>
+          <p:nvPr/>
+        </p:nvSpPr>
+        <p:spPr>
+          <a:xfrm>
+            <a:off x="0" y="-1"/>
+            <a:ext cx="12192000" cy="914400"/>
+          </a:xfrm>
+          <a:prstGeom prst="rect">
+            <a:avLst/>
+          </a:prstGeom>
+          <a:solidFill>
+            <a:schemeClr val="bg1"/>
+          </a:solidFill>
+        </p:spPr>
+        <p:txBody>
+          <a:bodyPr vert="horz" lIns="121920" tIns="60960" rIns="121920" bIns="60960" rtlCol="0" anchor="ctr">
+            <a:normAutofit/>
+          </a:bodyPr>
+          <a:lstStyle/>
+          <a:p>
+            <a:pPr lvl="0">
+              <a:spcBef>
+                <a:spcPct val="0"/>
+              </a:spcBef>
+            </a:pPr>
+            <a:r>
+              <a:rPr lang="en-US" sz="4267" b="1" dirty="0">
+                <a:solidFill>
+                  <a:schemeClr val="accent1">
+                    <a:lumMod val="50000"/>
+                  </a:schemeClr>
+                </a:solidFill>
+                <a:latin typeface="Arial Narrow" panose="020B0606020202030204" pitchFamily="34" charset="0"/>
+                <a:ea typeface="+mj-ea"/>
+                <a:cs typeface="Arial" panose="020B0604020202020204" pitchFamily="34" charset="0"/>
+              </a:rPr>
+              <a:t>Python? No silly walks here…</a:t>
+            </a:r>
+          </a:p>
+        </p:txBody>
+      </p:sp>
+      <p:sp>
+        <p:nvSpPr>
+          <p:cNvPr id="5" name="TextBox 4">
+            <a:extLst>
+              <a:ext uri="{FF2B5EF4-FFF2-40B4-BE49-F238E27FC236}">
+                <a16:creationId xmlns:a16="http://schemas.microsoft.com/office/drawing/2014/main" id="{4628B677-D57E-4824-9A96-950C2164761F}"/>
+              </a:ext>
+            </a:extLst>
+          </p:cNvPr>
+          <p:cNvSpPr txBox="1"/>
+          <p:nvPr/>
+        </p:nvSpPr>
+        <p:spPr>
+          <a:xfrm>
+            <a:off x="-1" y="727524"/>
+            <a:ext cx="4451231" cy="2215991"/>
+          </a:xfrm>
+          <a:prstGeom prst="rect">
+            <a:avLst/>
+          </a:prstGeom>
+          <a:noFill/>
+        </p:spPr>
+        <p:txBody>
+          <a:bodyPr wrap="square" rtlCol="0">
+            <a:spAutoFit/>
+          </a:bodyPr>
+          <a:lstStyle/>
+          <a:p>
+            <a:pPr marL="342900" indent="-342900">
+              <a:buFont typeface="Arial" panose="020B0604020202020204" pitchFamily="34" charset="0"/>
+              <a:buChar char="•"/>
+            </a:pPr>
+            <a:r>
+              <a:rPr lang="en-US" sz="2400" dirty="0">
+                <a:latin typeface="Arial Narrow" panose="020B0606020202030204" pitchFamily="34" charset="0"/>
+              </a:rPr>
+              <a:t>Why use python?</a:t>
+            </a:r>
+          </a:p>
+          <a:p>
+            <a:pPr marL="800100" lvl="1" indent="-342900">
+              <a:buFont typeface="Arial" panose="020B0604020202020204" pitchFamily="34" charset="0"/>
+              <a:buChar char="•"/>
+            </a:pPr>
+            <a:r>
+              <a:rPr lang="en-US" sz="2400" dirty="0">
+                <a:latin typeface="Arial Narrow" panose="020B0606020202030204" pitchFamily="34" charset="0"/>
+              </a:rPr>
+              <a:t>It’s free!</a:t>
+            </a:r>
+          </a:p>
+          <a:p>
+            <a:pPr marL="800100" lvl="1" indent="-342900">
+              <a:buFont typeface="Arial" panose="020B0604020202020204" pitchFamily="34" charset="0"/>
+              <a:buChar char="•"/>
+            </a:pPr>
+            <a:r>
+              <a:rPr lang="en-US" sz="2400" dirty="0">
+                <a:latin typeface="Arial Narrow" panose="020B0606020202030204" pitchFamily="34" charset="0"/>
+              </a:rPr>
+              <a:t>It’s easy!</a:t>
+            </a:r>
+          </a:p>
+          <a:p>
+            <a:pPr marL="800100" lvl="1" indent="-342900">
+              <a:buFont typeface="Arial" panose="020B0604020202020204" pitchFamily="34" charset="0"/>
+              <a:buChar char="•"/>
+            </a:pPr>
+            <a:r>
+              <a:rPr lang="en-US" sz="2400" dirty="0">
+                <a:latin typeface="Arial Narrow" panose="020B0606020202030204" pitchFamily="34" charset="0"/>
+              </a:rPr>
+              <a:t>It’s open source!</a:t>
+            </a:r>
+          </a:p>
+          <a:p>
+            <a:pPr marL="800100" lvl="1" indent="-342900">
+              <a:buFont typeface="Arial" panose="020B0604020202020204" pitchFamily="34" charset="0"/>
+              <a:buChar char="•"/>
+            </a:pPr>
+            <a:r>
+              <a:rPr lang="en-US" sz="2400" dirty="0">
+                <a:latin typeface="Arial Narrow" panose="020B0606020202030204" pitchFamily="34" charset="0"/>
+              </a:rPr>
+              <a:t>It’s fast!*</a:t>
+            </a:r>
+          </a:p>
+          <a:p>
+            <a:r>
+              <a:rPr lang="en-US" dirty="0">
+                <a:latin typeface="Arial Narrow" panose="020B0606020202030204" pitchFamily="34" charset="0"/>
+              </a:rPr>
+              <a:t>*if you do things properly</a:t>
+            </a:r>
+          </a:p>
+        </p:txBody>
+      </p:sp>
+      <p:sp>
+        <p:nvSpPr>
+          <p:cNvPr id="6" name="TextBox 5">
+            <a:extLst>
+              <a:ext uri="{FF2B5EF4-FFF2-40B4-BE49-F238E27FC236}">
+                <a16:creationId xmlns:a16="http://schemas.microsoft.com/office/drawing/2014/main" id="{EAF23172-ABD6-45B6-A5AC-2715F0AF6940}"/>
+              </a:ext>
+            </a:extLst>
+          </p:cNvPr>
+          <p:cNvSpPr txBox="1"/>
+          <p:nvPr/>
+        </p:nvSpPr>
+        <p:spPr>
+          <a:xfrm>
+            <a:off x="-2" y="4363199"/>
+            <a:ext cx="6342745" cy="1938992"/>
+          </a:xfrm>
+          <a:prstGeom prst="rect">
+            <a:avLst/>
+          </a:prstGeom>
+          <a:noFill/>
+        </p:spPr>
+        <p:txBody>
+          <a:bodyPr wrap="square" rtlCol="0">
+            <a:spAutoFit/>
+          </a:bodyPr>
+          <a:lstStyle/>
+          <a:p>
+            <a:pPr marL="342900" indent="-342900">
+              <a:buFont typeface="Arial" panose="020B0604020202020204" pitchFamily="34" charset="0"/>
+              <a:buChar char="•"/>
+            </a:pPr>
+            <a:r>
+              <a:rPr lang="en-US" sz="2400" dirty="0">
+                <a:latin typeface="Arial Narrow" panose="020B0606020202030204" pitchFamily="34" charset="0"/>
+              </a:rPr>
+              <a:t>Next, apply it to your problems:</a:t>
+            </a:r>
+          </a:p>
+          <a:p>
+            <a:pPr marL="800100" lvl="1" indent="-342900">
+              <a:buFont typeface="Arial" panose="020B0604020202020204" pitchFamily="34" charset="0"/>
+              <a:buChar char="•"/>
+            </a:pPr>
+            <a:r>
+              <a:rPr lang="en-US" sz="2400" dirty="0">
+                <a:latin typeface="Arial Narrow" panose="020B0606020202030204" pitchFamily="34" charset="0"/>
+              </a:rPr>
+              <a:t>Read, plot your data (run away from MS Excel…)</a:t>
+            </a:r>
+          </a:p>
+          <a:p>
+            <a:pPr marL="800100" lvl="1" indent="-342900">
+              <a:buFont typeface="Arial" panose="020B0604020202020204" pitchFamily="34" charset="0"/>
+              <a:buChar char="•"/>
+            </a:pPr>
+            <a:r>
+              <a:rPr lang="en-US" sz="2400" dirty="0">
+                <a:latin typeface="Arial Narrow" panose="020B0606020202030204" pitchFamily="34" charset="0"/>
+              </a:rPr>
+              <a:t>Manipulate your data</a:t>
+            </a:r>
+          </a:p>
+          <a:p>
+            <a:pPr marL="800100" lvl="1" indent="-342900">
+              <a:buFont typeface="Arial" panose="020B0604020202020204" pitchFamily="34" charset="0"/>
+              <a:buChar char="•"/>
+            </a:pPr>
+            <a:r>
+              <a:rPr lang="en-US" sz="2400" dirty="0">
+                <a:latin typeface="Arial Narrow" panose="020B0606020202030204" pitchFamily="34" charset="0"/>
+              </a:rPr>
+              <a:t>Google</a:t>
+            </a:r>
+          </a:p>
+        </p:txBody>
+      </p:sp>
+      <p:sp>
+        <p:nvSpPr>
+          <p:cNvPr id="7" name="Rectangle 6">
+            <a:extLst>
+              <a:ext uri="{FF2B5EF4-FFF2-40B4-BE49-F238E27FC236}">
+                <a16:creationId xmlns:a16="http://schemas.microsoft.com/office/drawing/2014/main" id="{97956E1F-A1A8-4111-A0E4-EEEE0D959515}"/>
+              </a:ext>
+            </a:extLst>
+          </p:cNvPr>
+          <p:cNvSpPr/>
+          <p:nvPr/>
+        </p:nvSpPr>
+        <p:spPr>
+          <a:xfrm>
+            <a:off x="7845916" y="2504585"/>
+            <a:ext cx="4042914" cy="369332"/>
+          </a:xfrm>
+          <a:prstGeom prst="rect">
+            <a:avLst/>
+          </a:prstGeom>
+        </p:spPr>
+        <p:txBody>
+          <a:bodyPr wrap="square">
+            <a:spAutoFit/>
+          </a:bodyPr>
+          <a:lstStyle/>
+          <a:p>
+            <a:r>
+              <a:rPr lang="en-US" dirty="0">
+                <a:hlinkClick r:id="rId4"/>
+              </a:rPr>
+              <a:t>https://youtu.be/BIvezCVcsYs</a:t>
+            </a:r>
+            <a:endParaRPr lang="en-US" sz="1400" dirty="0"/>
+          </a:p>
+        </p:txBody>
+      </p:sp>
+      <p:pic>
+        <p:nvPicPr>
+          <p:cNvPr id="1026" name="Picture 2" descr="Image result for first image of a black hole">
+            <a:extLst>
+              <a:ext uri="{FF2B5EF4-FFF2-40B4-BE49-F238E27FC236}">
+                <a16:creationId xmlns:a16="http://schemas.microsoft.com/office/drawing/2014/main" id="{9A3FB7E8-C99B-4A82-996A-323D94DC08B9}"/>
+              </a:ext>
+            </a:extLst>
+          </p:cNvPr>
+          <p:cNvPicPr>
+            <a:picLocks noChangeAspect="1" noChangeArrowheads="1"/>
+          </p:cNvPicPr>
+          <p:nvPr/>
+        </p:nvPicPr>
+        <p:blipFill>
+          <a:blip r:embed="rId5">
+            <a:extLst>
+              <a:ext uri="{28A0092B-C50C-407E-A947-70E740481C1C}">
+                <a14:useLocalDpi xmlns:a14="http://schemas.microsoft.com/office/drawing/2010/main" val="0"/>
+              </a:ext>
+            </a:extLst>
+          </a:blip>
+          <a:srcRect/>
+          <a:stretch>
+            <a:fillRect/>
+          </a:stretch>
+        </p:blipFill>
+        <p:spPr bwMode="auto">
+          <a:xfrm>
+            <a:off x="6678478" y="-603360"/>
+            <a:ext cx="5552131" cy="3122351"/>
+          </a:xfrm>
+          <a:prstGeom prst="rect">
+            <a:avLst/>
+          </a:prstGeom>
+          <a:noFill/>
+          <a:extLst>
+            <a:ext uri="{909E8E84-426E-40DD-AFC4-6F175D3DCCD1}">
+              <a14:hiddenFill xmlns:a14="http://schemas.microsoft.com/office/drawing/2010/main">
+                <a:solidFill>
+                  <a:srgbClr val="FFFFFF"/>
+                </a:solidFill>
+              </a14:hiddenFill>
+            </a:ext>
+          </a:extLst>
+        </p:spPr>
+      </p:pic>
+      <p:sp>
+        <p:nvSpPr>
+          <p:cNvPr id="9" name="TextBox 8">
+            <a:extLst>
+              <a:ext uri="{FF2B5EF4-FFF2-40B4-BE49-F238E27FC236}">
+                <a16:creationId xmlns:a16="http://schemas.microsoft.com/office/drawing/2014/main" id="{83CD68F3-EDDA-4674-8FF6-0A96F8B82003}"/>
+              </a:ext>
+            </a:extLst>
+          </p:cNvPr>
+          <p:cNvSpPr txBox="1"/>
+          <p:nvPr/>
+        </p:nvSpPr>
+        <p:spPr>
+          <a:xfrm>
+            <a:off x="-2" y="6191893"/>
+            <a:ext cx="11531601" cy="523220"/>
+          </a:xfrm>
+          <a:prstGeom prst="rect">
+            <a:avLst/>
+          </a:prstGeom>
+          <a:noFill/>
+        </p:spPr>
+        <p:txBody>
+          <a:bodyPr wrap="square" rtlCol="0">
+            <a:spAutoFit/>
+          </a:bodyPr>
+          <a:lstStyle/>
+          <a:p>
+            <a:pPr algn="ctr"/>
+            <a:r>
+              <a:rPr lang="en-US" sz="2800" dirty="0">
+                <a:solidFill>
+                  <a:srgbClr val="FF0000"/>
+                </a:solidFill>
+                <a:latin typeface="Arial Narrow" panose="020B0606020202030204" pitchFamily="34" charset="0"/>
+              </a:rPr>
+              <a:t>For your sake and ours, please use python 3 (not 2)…</a:t>
+            </a:r>
+            <a:endParaRPr lang="en-US" dirty="0">
+              <a:solidFill>
+                <a:srgbClr val="FF0000"/>
+              </a:solidFill>
+              <a:latin typeface="Arial Narrow" panose="020B0606020202030204" pitchFamily="34" charset="0"/>
+            </a:endParaRPr>
+          </a:p>
+        </p:txBody>
+      </p:sp>
+      <p:sp>
+        <p:nvSpPr>
+          <p:cNvPr id="10" name="TextBox 9">
+            <a:extLst>
+              <a:ext uri="{FF2B5EF4-FFF2-40B4-BE49-F238E27FC236}">
+                <a16:creationId xmlns:a16="http://schemas.microsoft.com/office/drawing/2014/main" id="{620A863F-131F-4616-BC7A-6E56DC197A2E}"/>
+              </a:ext>
+            </a:extLst>
+          </p:cNvPr>
+          <p:cNvSpPr txBox="1"/>
+          <p:nvPr/>
+        </p:nvSpPr>
+        <p:spPr>
+          <a:xfrm>
+            <a:off x="-3" y="2826925"/>
+            <a:ext cx="9661585" cy="1569660"/>
+          </a:xfrm>
+          <a:prstGeom prst="rect">
+            <a:avLst/>
+          </a:prstGeom>
+          <a:noFill/>
+        </p:spPr>
+        <p:txBody>
+          <a:bodyPr wrap="square" rtlCol="0">
+            <a:spAutoFit/>
+          </a:bodyPr>
+          <a:lstStyle/>
+          <a:p>
+            <a:pPr marL="342900" indent="-342900">
+              <a:buFont typeface="Arial" panose="020B0604020202020204" pitchFamily="34" charset="0"/>
+              <a:buChar char="•"/>
+            </a:pPr>
+            <a:r>
+              <a:rPr lang="en-US" sz="2400" dirty="0">
+                <a:latin typeface="Arial Narrow" panose="020B0606020202030204" pitchFamily="34" charset="0"/>
+              </a:rPr>
+              <a:t>How can I use python?</a:t>
+            </a:r>
+          </a:p>
+          <a:p>
+            <a:pPr marL="342900" indent="-342900">
+              <a:buFont typeface="Arial" panose="020B0604020202020204" pitchFamily="34" charset="0"/>
+              <a:buChar char="•"/>
+            </a:pPr>
+            <a:r>
+              <a:rPr lang="en-US" sz="2400" dirty="0">
+                <a:latin typeface="Arial Narrow" panose="020B0606020202030204" pitchFamily="34" charset="0"/>
+              </a:rPr>
+              <a:t>First, install it:</a:t>
+            </a:r>
+          </a:p>
+          <a:p>
+            <a:pPr marL="800100" lvl="1" indent="-342900">
+              <a:buFont typeface="Arial" panose="020B0604020202020204" pitchFamily="34" charset="0"/>
+              <a:buChar char="•"/>
+            </a:pPr>
+            <a:r>
+              <a:rPr lang="en-US" sz="2400" dirty="0">
+                <a:latin typeface="Arial Narrow" panose="020B0606020202030204" pitchFamily="34" charset="0"/>
+                <a:hlinkClick r:id="rId6"/>
+              </a:rPr>
+              <a:t>https://www.anaconda.com/distribution/</a:t>
+            </a:r>
+            <a:r>
+              <a:rPr lang="en-US" sz="2400" dirty="0">
+                <a:latin typeface="Arial Narrow" panose="020B0606020202030204" pitchFamily="34" charset="0"/>
+              </a:rPr>
+              <a:t> (Windows)</a:t>
+            </a:r>
+          </a:p>
+          <a:p>
+            <a:pPr marL="800100" lvl="1" indent="-342900">
+              <a:buFont typeface="Arial" panose="020B0604020202020204" pitchFamily="34" charset="0"/>
+              <a:buChar char="•"/>
+            </a:pPr>
+            <a:r>
+              <a:rPr lang="en-US" sz="2400" dirty="0">
+                <a:latin typeface="Arial Narrow" panose="020B0606020202030204" pitchFamily="34" charset="0"/>
+                <a:hlinkClick r:id="rId7"/>
+              </a:rPr>
+              <a:t>https://docs.conda.io/en/latest/miniconda.html</a:t>
+            </a:r>
+            <a:r>
+              <a:rPr lang="en-US" sz="2400" dirty="0">
+                <a:latin typeface="Arial Narrow" panose="020B0606020202030204" pitchFamily="34" charset="0"/>
+              </a:rPr>
+              <a:t> (Unix)</a:t>
+            </a:r>
+            <a:endParaRPr lang="en-US" sz="2400" baseline="-25000" dirty="0">
+              <a:latin typeface="Arial Narrow" panose="020B0606020202030204" pitchFamily="34" charset="0"/>
+            </a:endParaRPr>
+          </a:p>
+        </p:txBody>
+      </p:sp>
+      <p:pic>
+        <p:nvPicPr>
+          <p:cNvPr id="22" name="Picture 21">
+            <a:extLst>
+              <a:ext uri="{FF2B5EF4-FFF2-40B4-BE49-F238E27FC236}">
+                <a16:creationId xmlns:a16="http://schemas.microsoft.com/office/drawing/2014/main" id="{F909BCD0-865A-42F9-BDC3-25AF6AC422E2}"/>
+              </a:ext>
+            </a:extLst>
+          </p:cNvPr>
+          <p:cNvPicPr>
+            <a:picLocks noChangeAspect="1"/>
+          </p:cNvPicPr>
+          <p:nvPr/>
+        </p:nvPicPr>
+        <p:blipFill rotWithShape="1">
+          <a:blip r:embed="rId8"/>
+          <a:srcRect l="5366" r="6727"/>
+          <a:stretch/>
+        </p:blipFill>
+        <p:spPr>
+          <a:xfrm>
+            <a:off x="6881401" y="2942271"/>
+            <a:ext cx="5136427" cy="2746519"/>
+          </a:xfrm>
+          <a:prstGeom prst="rect">
+            <a:avLst/>
+          </a:prstGeom>
+        </p:spPr>
+      </p:pic>
+      <p:sp>
+        <p:nvSpPr>
+          <p:cNvPr id="23" name="Rectangle 22">
+            <a:extLst>
+              <a:ext uri="{FF2B5EF4-FFF2-40B4-BE49-F238E27FC236}">
+                <a16:creationId xmlns:a16="http://schemas.microsoft.com/office/drawing/2014/main" id="{131C760F-E912-475E-93E5-01CD0D51DE65}"/>
+              </a:ext>
+            </a:extLst>
+          </p:cNvPr>
+          <p:cNvSpPr/>
+          <p:nvPr/>
+        </p:nvSpPr>
+        <p:spPr>
+          <a:xfrm>
+            <a:off x="6761317" y="5713602"/>
+            <a:ext cx="5552131" cy="276999"/>
+          </a:xfrm>
+          <a:prstGeom prst="rect">
+            <a:avLst/>
+          </a:prstGeom>
+        </p:spPr>
+        <p:txBody>
+          <a:bodyPr wrap="square">
+            <a:spAutoFit/>
+          </a:bodyPr>
+          <a:lstStyle/>
+          <a:p>
+            <a:r>
+              <a:rPr lang="en-US" sz="1200" dirty="0">
+                <a:hlinkClick r:id="rId9"/>
+              </a:rPr>
+              <a:t>https://www.benfrederickson.com/ranking-programming-languages-by-github-users/</a:t>
+            </a:r>
+            <a:endParaRPr lang="en-US" sz="1200" dirty="0"/>
+          </a:p>
+        </p:txBody>
+      </p:sp>
+    </p:spTree>
+    <p:custDataLst>
+      <p:tags r:id="rId1"/>
+    </p:custDataLst>
+    <p:extLst>
+      <p:ext uri="{BB962C8B-B14F-4D97-AF65-F5344CB8AC3E}">
+        <p14:creationId xmlns:p14="http://schemas.microsoft.com/office/powerpoint/2010/main" val="2143365567"/>
+      </p:ext>
+    </p:extLst>
+  </p:cSld>
+  <p:clrMapOvr>
+    <a:masterClrMapping/>
+  </p:clrMapOvr>
+  <mc:AlternateContent xmlns:mc="http://schemas.openxmlformats.org/markup-compatibility/2006" xmlns:p14="http://schemas.microsoft.com/office/powerpoint/2010/main">
+    <mc:Choice Requires="p14">
+      <p:transition spd="slow" p14:dur="2000" advTm="54855"/>
+    </mc:Choice>
+    <mc:Fallback xmlns="">
+      <p:transition spd="slow" advTm="54855"/>
+    </mc:Fallback>
+  </mc:AlternateContent>
+  <p:timing>
+    <p:tnLst>
+      <p:par>
+        <p:cTn id="1" dur="indefinite" restart="never" nodeType="tmRoot">
+          <p:childTnLst>
+            <p:seq concurrent="1" nextAc="seek">
+              <p:cTn id="2" dur="indefinite" nodeType="mainSeq">
+                <p:childTnLst>
+                  <p:par>
+                    <p:cTn id="3" fill="hold">
+                      <p:stCondLst>
+                        <p:cond delay="indefinite"/>
+                      </p:stCondLst>
+                      <p:childTnLst>
+                        <p:par>
+                          <p:cTn id="4" fill="hold">
+                            <p:stCondLst>
+                              <p:cond delay="0"/>
+                            </p:stCondLst>
+                            <p:childTnLst>
+                              <p:par>
+                                <p:cTn id="5" presetID="1" presetClass="entr" presetSubtype="0" fill="hold" grpId="0" nodeType="clickEffect">
+                                  <p:stCondLst>
+                                    <p:cond delay="0"/>
+                                  </p:stCondLst>
+                                  <p:childTnLst>
+                                    <p:set>
+                                      <p:cBhvr>
+                                        <p:cTn id="6" dur="1" fill="hold">
+                                          <p:stCondLst>
+                                            <p:cond delay="0"/>
+                                          </p:stCondLst>
+                                        </p:cTn>
+                                        <p:tgtEl>
+                                          <p:spTgt spid="5"/>
+                                        </p:tgtEl>
+                                        <p:attrNameLst>
+                                          <p:attrName>style.visibility</p:attrName>
+                                        </p:attrNameLst>
+                                      </p:cBhvr>
+                                      <p:to>
+                                        <p:strVal val="visible"/>
+                                      </p:to>
+                                    </p:set>
+                                  </p:childTnLst>
+                                </p:cTn>
+                              </p:par>
+                            </p:childTnLst>
+                          </p:cTn>
+                        </p:par>
+                      </p:childTnLst>
+                    </p:cTn>
+                  </p:par>
+                  <p:par>
+                    <p:cTn id="7" fill="hold">
+                      <p:stCondLst>
+                        <p:cond delay="indefinite"/>
+                      </p:stCondLst>
+                      <p:childTnLst>
+                        <p:par>
+                          <p:cTn id="8" fill="hold">
+                            <p:stCondLst>
+                              <p:cond delay="0"/>
+                            </p:stCondLst>
+                            <p:childTnLst>
+                              <p:par>
+                                <p:cTn id="9" presetID="1" presetClass="entr" presetSubtype="0" fill="hold" grpId="0" nodeType="clickEffect">
+                                  <p:stCondLst>
+                                    <p:cond delay="0"/>
+                                  </p:stCondLst>
+                                  <p:childTnLst>
+                                    <p:set>
+                                      <p:cBhvr>
+                                        <p:cTn id="10" dur="1" fill="hold">
+                                          <p:stCondLst>
+                                            <p:cond delay="0"/>
+                                          </p:stCondLst>
+                                        </p:cTn>
+                                        <p:tgtEl>
+                                          <p:spTgt spid="7"/>
+                                        </p:tgtEl>
+                                        <p:attrNameLst>
+                                          <p:attrName>style.visibility</p:attrName>
+                                        </p:attrNameLst>
+                                      </p:cBhvr>
+                                      <p:to>
+                                        <p:strVal val="visible"/>
+                                      </p:to>
+                                    </p:set>
+                                  </p:childTnLst>
+                                </p:cTn>
+                              </p:par>
+                              <p:par>
+                                <p:cTn id="11" presetID="1" presetClass="entr" presetSubtype="0" fill="hold" nodeType="withEffect">
+                                  <p:stCondLst>
+                                    <p:cond delay="0"/>
+                                  </p:stCondLst>
+                                  <p:childTnLst>
+                                    <p:set>
+                                      <p:cBhvr>
+                                        <p:cTn id="12" dur="1" fill="hold">
+                                          <p:stCondLst>
+                                            <p:cond delay="0"/>
+                                          </p:stCondLst>
+                                        </p:cTn>
+                                        <p:tgtEl>
+                                          <p:spTgt spid="1026"/>
+                                        </p:tgtEl>
+                                        <p:attrNameLst>
+                                          <p:attrName>style.visibility</p:attrName>
+                                        </p:attrNameLst>
+                                      </p:cBhvr>
+                                      <p:to>
+                                        <p:strVal val="visible"/>
+                                      </p:to>
+                                    </p:set>
+                                  </p:childTnLst>
+                                </p:cTn>
+                              </p:par>
+                            </p:childTnLst>
+                          </p:cTn>
+                        </p:par>
+                      </p:childTnLst>
+                    </p:cTn>
+                  </p:par>
+                  <p:par>
+                    <p:cTn id="13" fill="hold">
+                      <p:stCondLst>
+                        <p:cond delay="indefinite"/>
+                      </p:stCondLst>
+                      <p:childTnLst>
+                        <p:par>
+                          <p:cTn id="14" fill="hold">
+                            <p:stCondLst>
+                              <p:cond delay="0"/>
+                            </p:stCondLst>
+                            <p:childTnLst>
+                              <p:par>
+                                <p:cTn id="15" presetID="1" presetClass="entr" presetSubtype="0" fill="hold" grpId="0" nodeType="clickEffect">
+                                  <p:stCondLst>
+                                    <p:cond delay="0"/>
+                                  </p:stCondLst>
+                                  <p:childTnLst>
+                                    <p:set>
+                                      <p:cBhvr>
+                                        <p:cTn id="16" dur="1" fill="hold">
+                                          <p:stCondLst>
+                                            <p:cond delay="0"/>
+                                          </p:stCondLst>
+                                        </p:cTn>
+                                        <p:tgtEl>
+                                          <p:spTgt spid="23"/>
+                                        </p:tgtEl>
+                                        <p:attrNameLst>
+                                          <p:attrName>style.visibility</p:attrName>
+                                        </p:attrNameLst>
+                                      </p:cBhvr>
+                                      <p:to>
+                                        <p:strVal val="visible"/>
+                                      </p:to>
+                                    </p:set>
+                                  </p:childTnLst>
+                                </p:cTn>
+                              </p:par>
+                              <p:par>
+                                <p:cTn id="17" presetID="1" presetClass="entr" presetSubtype="0" fill="hold" nodeType="withEffect">
+                                  <p:stCondLst>
+                                    <p:cond delay="0"/>
+                                  </p:stCondLst>
+                                  <p:childTnLst>
+                                    <p:set>
+                                      <p:cBhvr>
+                                        <p:cTn id="18" dur="1" fill="hold">
+                                          <p:stCondLst>
+                                            <p:cond delay="0"/>
+                                          </p:stCondLst>
+                                        </p:cTn>
+                                        <p:tgtEl>
+                                          <p:spTgt spid="22"/>
+                                        </p:tgtEl>
+                                        <p:attrNameLst>
+                                          <p:attrName>style.visibility</p:attrName>
+                                        </p:attrNameLst>
+                                      </p:cBhvr>
+                                      <p:to>
+                                        <p:strVal val="visible"/>
+                                      </p:to>
+                                    </p:set>
+                                  </p:childTnLst>
+                                </p:cTn>
+                              </p:par>
+                            </p:childTnLst>
+                          </p:cTn>
+                        </p:par>
+                      </p:childTnLst>
+                    </p:cTn>
+                  </p:par>
+                  <p:par>
+                    <p:cTn id="19" fill="hold">
+                      <p:stCondLst>
+                        <p:cond delay="indefinite"/>
+                      </p:stCondLst>
+                      <p:childTnLst>
+                        <p:par>
+                          <p:cTn id="20" fill="hold">
+                            <p:stCondLst>
+                              <p:cond delay="0"/>
+                            </p:stCondLst>
+                            <p:childTnLst>
+                              <p:par>
+                                <p:cTn id="21" presetID="1" presetClass="entr" presetSubtype="0" fill="hold" grpId="0" nodeType="clickEffect">
+                                  <p:stCondLst>
+                                    <p:cond delay="0"/>
+                                  </p:stCondLst>
+                                  <p:childTnLst>
+                                    <p:set>
+                                      <p:cBhvr>
+                                        <p:cTn id="22" dur="1" fill="hold">
+                                          <p:stCondLst>
+                                            <p:cond delay="0"/>
+                                          </p:stCondLst>
+                                        </p:cTn>
+                                        <p:tgtEl>
+                                          <p:spTgt spid="10"/>
+                                        </p:tgtEl>
+                                        <p:attrNameLst>
+                                          <p:attrName>style.visibility</p:attrName>
+                                        </p:attrNameLst>
+                                      </p:cBhvr>
+                                      <p:to>
+                                        <p:strVal val="visible"/>
+                                      </p:to>
+                                    </p:set>
+                                  </p:childTnLst>
+                                </p:cTn>
+                              </p:par>
+                            </p:childTnLst>
+                          </p:cTn>
+                        </p:par>
+                      </p:childTnLst>
+                    </p:cTn>
+                  </p:par>
+                  <p:par>
+                    <p:cTn id="23" fill="hold">
+                      <p:stCondLst>
+                        <p:cond delay="indefinite"/>
+                      </p:stCondLst>
+                      <p:childTnLst>
+                        <p:par>
+                          <p:cTn id="24" fill="hold">
+                            <p:stCondLst>
+                              <p:cond delay="0"/>
+                            </p:stCondLst>
+                            <p:childTnLst>
+                              <p:par>
+                                <p:cTn id="25" presetID="1" presetClass="entr" presetSubtype="0" fill="hold" grpId="0" nodeType="clickEffect">
+                                  <p:stCondLst>
+                                    <p:cond delay="0"/>
+                                  </p:stCondLst>
+                                  <p:childTnLst>
+                                    <p:set>
+                                      <p:cBhvr>
+                                        <p:cTn id="26" dur="1" fill="hold">
+                                          <p:stCondLst>
+                                            <p:cond delay="0"/>
+                                          </p:stCondLst>
+                                        </p:cTn>
+                                        <p:tgtEl>
+                                          <p:spTgt spid="6"/>
+                                        </p:tgtEl>
+                                        <p:attrNameLst>
+                                          <p:attrName>style.visibility</p:attrName>
+                                        </p:attrNameLst>
+                                      </p:cBhvr>
+                                      <p:to>
+                                        <p:strVal val="visible"/>
+                                      </p:to>
+                                    </p:set>
+                                  </p:childTnLst>
+                                </p:cTn>
+                              </p:par>
+                            </p:childTnLst>
+                          </p:cTn>
+                        </p:par>
+                      </p:childTnLst>
+                    </p:cTn>
+                  </p:par>
+                  <p:par>
+                    <p:cTn id="27" fill="hold">
+                      <p:stCondLst>
+                        <p:cond delay="indefinite"/>
+                      </p:stCondLst>
+                      <p:childTnLst>
+                        <p:par>
+                          <p:cTn id="28" fill="hold">
+                            <p:stCondLst>
+                              <p:cond delay="0"/>
+                            </p:stCondLst>
+                            <p:childTnLst>
+                              <p:par>
+                                <p:cTn id="29" presetID="1" presetClass="entr" presetSubtype="0" fill="hold" grpId="0" nodeType="clickEffect">
+                                  <p:stCondLst>
+                                    <p:cond delay="0"/>
+                                  </p:stCondLst>
+                                  <p:childTnLst>
+                                    <p:set>
+                                      <p:cBhvr>
+                                        <p:cTn id="30" dur="1" fill="hold">
+                                          <p:stCondLst>
+                                            <p:cond delay="0"/>
+                                          </p:stCondLst>
+                                        </p:cTn>
+                                        <p:tgtEl>
+                                          <p:spTgt spid="9"/>
+                                        </p:tgtEl>
+                                        <p:attrNameLst>
+                                          <p:attrName>style.visibility</p:attrName>
+                                        </p:attrNameLst>
+                                      </p:cBhvr>
+                                      <p:to>
+                                        <p:strVal val="visible"/>
+                                      </p:to>
+                                    </p:set>
+                                  </p:childTnLst>
+                                </p:cTn>
+                              </p:par>
+                            </p:childTnLst>
+                          </p:cTn>
+                        </p:par>
+                      </p:childTnLst>
+                    </p:cTn>
+                  </p:par>
+                </p:childTnLst>
+              </p:cTn>
+              <p:prevCondLst>
+                <p:cond evt="onPrev" delay="0">
+                  <p:tgtEl>
+                    <p:sldTgt/>
+                  </p:tgtEl>
+                </p:cond>
+              </p:prevCondLst>
+              <p:nextCondLst>
+                <p:cond evt="onNext" delay="0">
+                  <p:tgtEl>
+                    <p:sldTgt/>
+                  </p:tgtEl>
+                </p:cond>
+              </p:nextCondLst>
+            </p:seq>
+          </p:childTnLst>
+        </p:cTn>
+      </p:par>
+    </p:tnLst>
+    <p:bldLst>
+      <p:bldP spid="5" grpId="0"/>
+      <p:bldP spid="6" grpId="0"/>
+      <p:bldP spid="7" grpId="0"/>
+      <p:bldP spid="9" grpId="0"/>
+      <p:bldP spid="10" grpId="0"/>
+      <p:bldP spid="23" grpId="0"/>
+    </p:bldLst>
+  </p:timing>
+</p:sld>
+</file>
+
+<file path=ppt/slides/slide4.xml><?xml version="1.0" encoding="utf-8"?>
+<p:sld xmlns:a="http://schemas.openxmlformats.org/drawingml/2006/main" xmlns:r="http://schemas.openxmlformats.org/officeDocument/2006/relationships" xmlns:p="http://schemas.openxmlformats.org/presentationml/2006/main">
+  <p:cSld>
+    <p:spTree>
+      <p:nvGrpSpPr>
+        <p:cNvPr id="1" name=""/>
+        <p:cNvGrpSpPr/>
+        <p:nvPr/>
+      </p:nvGrpSpPr>
+      <p:grpSpPr>
+        <a:xfrm>
+          <a:off x="0" y="0"/>
+          <a:ext cx="0" cy="0"/>
+          <a:chOff x="0" y="0"/>
+          <a:chExt cx="0" cy="0"/>
+        </a:xfrm>
+      </p:grpSpPr>
+      <p:sp>
+        <p:nvSpPr>
+          <p:cNvPr id="2" name="Title 1">
+            <a:extLst>
+              <a:ext uri="{FF2B5EF4-FFF2-40B4-BE49-F238E27FC236}">
+                <a16:creationId xmlns:a16="http://schemas.microsoft.com/office/drawing/2014/main" id="{AFB563CE-1DCC-491C-B8D2-0C02DF5BBBE6}"/>
+              </a:ext>
+            </a:extLst>
+          </p:cNvPr>
+          <p:cNvSpPr txBox="1">
+            <a:spLocks/>
+          </p:cNvSpPr>
+          <p:nvPr/>
+        </p:nvSpPr>
+        <p:spPr>
+          <a:xfrm>
+            <a:off x="0" y="-1"/>
+            <a:ext cx="12192000" cy="914400"/>
+          </a:xfrm>
+          <a:prstGeom prst="rect">
+            <a:avLst/>
+          </a:prstGeom>
+          <a:solidFill>
+            <a:schemeClr val="bg1"/>
+          </a:solidFill>
+        </p:spPr>
+        <p:txBody>
+          <a:bodyPr vert="horz" lIns="121920" tIns="60960" rIns="121920" bIns="60960" rtlCol="0" anchor="ctr">
+            <a:normAutofit/>
+          </a:bodyPr>
+          <a:lstStyle/>
+          <a:p>
+            <a:pPr lvl="0">
+              <a:spcBef>
+                <a:spcPct val="0"/>
+              </a:spcBef>
+            </a:pPr>
+            <a:r>
+              <a:rPr lang="en-US" sz="4267" b="1" dirty="0" err="1">
+                <a:solidFill>
+                  <a:schemeClr val="accent1">
+                    <a:lumMod val="50000"/>
+                  </a:schemeClr>
+                </a:solidFill>
+                <a:latin typeface="Arial Narrow" panose="020B0606020202030204" pitchFamily="34" charset="0"/>
+                <a:ea typeface="+mj-ea"/>
+                <a:cs typeface="Arial" panose="020B0604020202020204" pitchFamily="34" charset="0"/>
+              </a:rPr>
+              <a:t>Diffpy</a:t>
+            </a:r>
+            <a:r>
+              <a:rPr lang="en-US" sz="4267" b="1" dirty="0">
+                <a:solidFill>
+                  <a:schemeClr val="accent1">
+                    <a:lumMod val="50000"/>
+                  </a:schemeClr>
+                </a:solidFill>
+                <a:latin typeface="Arial Narrow" panose="020B0606020202030204" pitchFamily="34" charset="0"/>
+                <a:ea typeface="+mj-ea"/>
+                <a:cs typeface="Arial" panose="020B0604020202020204" pitchFamily="34" charset="0"/>
+              </a:rPr>
+              <a:t>-CMI</a:t>
+            </a:r>
+          </a:p>
+        </p:txBody>
+      </p:sp>
+      <p:sp>
+        <p:nvSpPr>
+          <p:cNvPr id="7" name="Rectangle 6">
+            <a:extLst>
+              <a:ext uri="{FF2B5EF4-FFF2-40B4-BE49-F238E27FC236}">
+                <a16:creationId xmlns:a16="http://schemas.microsoft.com/office/drawing/2014/main" id="{DE7FB60E-1923-432B-9B93-A2992C12E604}"/>
+              </a:ext>
+            </a:extLst>
+          </p:cNvPr>
+          <p:cNvSpPr/>
+          <p:nvPr/>
+        </p:nvSpPr>
+        <p:spPr>
+          <a:xfrm>
+            <a:off x="0" y="3007139"/>
+            <a:ext cx="6096000" cy="830997"/>
+          </a:xfrm>
+          <a:prstGeom prst="rect">
+            <a:avLst/>
+          </a:prstGeom>
+        </p:spPr>
+        <p:txBody>
+          <a:bodyPr wrap="square">
+            <a:spAutoFit/>
+          </a:bodyPr>
+          <a:lstStyle/>
+          <a:p>
+            <a:pPr marL="342900" indent="-342900">
+              <a:buFont typeface="Arial" panose="020B0604020202020204" pitchFamily="34" charset="0"/>
+              <a:buChar char="•"/>
+            </a:pPr>
+            <a:r>
+              <a:rPr lang="en-US" sz="2400" dirty="0">
+                <a:latin typeface="Arial Narrow" panose="020B0606020202030204" pitchFamily="34" charset="0"/>
+              </a:rPr>
+              <a:t>Where can I get it? </a:t>
+            </a:r>
+            <a:r>
+              <a:rPr lang="en-US" sz="2400" dirty="0">
+                <a:latin typeface="Arial Narrow" panose="020B0606020202030204" pitchFamily="34" charset="0"/>
+                <a:hlinkClick r:id="rId4"/>
+              </a:rPr>
+              <a:t>https://www.diffpy.org/products/diffpycmi/</a:t>
+            </a:r>
+            <a:endParaRPr lang="en-US" sz="2400" dirty="0">
+              <a:latin typeface="Arial Narrow" panose="020B0606020202030204" pitchFamily="34" charset="0"/>
+            </a:endParaRPr>
+          </a:p>
+        </p:txBody>
+      </p:sp>
+      <p:sp>
+        <p:nvSpPr>
+          <p:cNvPr id="8" name="Rectangle 7">
+            <a:extLst>
+              <a:ext uri="{FF2B5EF4-FFF2-40B4-BE49-F238E27FC236}">
+                <a16:creationId xmlns:a16="http://schemas.microsoft.com/office/drawing/2014/main" id="{6DAA2404-6C54-4690-927F-1E383C28D838}"/>
+              </a:ext>
+            </a:extLst>
+          </p:cNvPr>
+          <p:cNvSpPr/>
+          <p:nvPr/>
+        </p:nvSpPr>
+        <p:spPr>
+          <a:xfrm>
+            <a:off x="-1" y="3896923"/>
+            <a:ext cx="6866626" cy="830997"/>
+          </a:xfrm>
+          <a:prstGeom prst="rect">
+            <a:avLst/>
+          </a:prstGeom>
+        </p:spPr>
+        <p:txBody>
+          <a:bodyPr wrap="square">
+            <a:spAutoFit/>
+          </a:bodyPr>
+          <a:lstStyle/>
+          <a:p>
+            <a:pPr marL="342900" indent="-342900">
+              <a:buFont typeface="Arial" panose="020B0604020202020204" pitchFamily="34" charset="0"/>
+              <a:buChar char="•"/>
+            </a:pPr>
+            <a:r>
+              <a:rPr lang="en-US" sz="2400" dirty="0">
+                <a:latin typeface="Arial Narrow" panose="020B0606020202030204" pitchFamily="34" charset="0"/>
+              </a:rPr>
+              <a:t>What if I need help? </a:t>
+            </a:r>
+            <a:r>
+              <a:rPr lang="en-US" sz="2400" dirty="0">
+                <a:latin typeface="Arial Narrow" panose="020B0606020202030204" pitchFamily="34" charset="0"/>
+                <a:hlinkClick r:id="rId5"/>
+              </a:rPr>
+              <a:t>https://groups.google.com/forum/#!forum/diffpy-users</a:t>
+            </a:r>
+            <a:endParaRPr lang="en-US" sz="2400" dirty="0">
+              <a:latin typeface="Arial Narrow" panose="020B0606020202030204" pitchFamily="34" charset="0"/>
+            </a:endParaRPr>
+          </a:p>
+        </p:txBody>
+      </p:sp>
+      <p:sp>
+        <p:nvSpPr>
+          <p:cNvPr id="9" name="Rectangle 8">
+            <a:extLst>
+              <a:ext uri="{FF2B5EF4-FFF2-40B4-BE49-F238E27FC236}">
+                <a16:creationId xmlns:a16="http://schemas.microsoft.com/office/drawing/2014/main" id="{B91A0F3F-FDD6-44EC-BBCC-DFE0D02C3661}"/>
+              </a:ext>
+            </a:extLst>
+          </p:cNvPr>
+          <p:cNvSpPr/>
+          <p:nvPr/>
+        </p:nvSpPr>
+        <p:spPr>
+          <a:xfrm>
+            <a:off x="6608222" y="4240837"/>
+            <a:ext cx="6096000" cy="1200329"/>
+          </a:xfrm>
+          <a:prstGeom prst="rect">
+            <a:avLst/>
+          </a:prstGeom>
+        </p:spPr>
+        <p:txBody>
+          <a:bodyPr>
+            <a:spAutoFit/>
+          </a:bodyPr>
+          <a:lstStyle/>
+          <a:p>
+            <a:pPr marL="342900" indent="-342900">
+              <a:buFont typeface="Arial" panose="020B0604020202020204" pitchFamily="34" charset="0"/>
+              <a:buChar char="•"/>
+            </a:pPr>
+            <a:r>
+              <a:rPr lang="en-US" sz="2400" dirty="0">
+                <a:latin typeface="Arial Narrow" panose="020B0606020202030204" pitchFamily="34" charset="0"/>
+              </a:rPr>
+              <a:t>What if I still need help? </a:t>
+            </a:r>
+            <a:r>
+              <a:rPr lang="en-US" sz="2400" dirty="0">
+                <a:latin typeface="Arial Narrow" panose="020B0606020202030204" pitchFamily="34" charset="0"/>
+                <a:hlinkClick r:id="rId6"/>
+              </a:rPr>
+              <a:t>rkoch@bnl.gov</a:t>
+            </a:r>
+            <a:endParaRPr lang="en-US" sz="2400" dirty="0">
+              <a:latin typeface="Arial Narrow" panose="020B0606020202030204" pitchFamily="34" charset="0"/>
+            </a:endParaRPr>
+          </a:p>
+          <a:p>
+            <a:pPr marL="800100" lvl="1" indent="-342900">
+              <a:buFont typeface="Arial" panose="020B0604020202020204" pitchFamily="34" charset="0"/>
+              <a:buChar char="•"/>
+            </a:pPr>
+            <a:r>
+              <a:rPr lang="en-US" sz="2400" dirty="0">
+                <a:latin typeface="Arial Narrow" panose="020B0606020202030204" pitchFamily="34" charset="0"/>
+              </a:rPr>
+              <a:t>I can offer advice</a:t>
+            </a:r>
+          </a:p>
+          <a:p>
+            <a:pPr marL="800100" lvl="1" indent="-342900">
+              <a:buFont typeface="Arial" panose="020B0604020202020204" pitchFamily="34" charset="0"/>
+              <a:buChar char="•"/>
+            </a:pPr>
+            <a:r>
+              <a:rPr lang="en-US" sz="2400" dirty="0">
+                <a:latin typeface="Arial Narrow" panose="020B0606020202030204" pitchFamily="34" charset="0"/>
+              </a:rPr>
+              <a:t>I can help with minor debugging</a:t>
+            </a:r>
+          </a:p>
+        </p:txBody>
+      </p:sp>
+      <p:sp>
+        <p:nvSpPr>
+          <p:cNvPr id="10" name="Rectangle 9">
+            <a:extLst>
+              <a:ext uri="{FF2B5EF4-FFF2-40B4-BE49-F238E27FC236}">
+                <a16:creationId xmlns:a16="http://schemas.microsoft.com/office/drawing/2014/main" id="{406FAAE3-158C-47B7-8DED-E3465CD9FE4B}"/>
+              </a:ext>
+            </a:extLst>
+          </p:cNvPr>
+          <p:cNvSpPr/>
+          <p:nvPr/>
+        </p:nvSpPr>
+        <p:spPr>
+          <a:xfrm>
+            <a:off x="0" y="4727920"/>
+            <a:ext cx="5853334" cy="461665"/>
+          </a:xfrm>
+          <a:prstGeom prst="rect">
+            <a:avLst/>
+          </a:prstGeom>
+        </p:spPr>
+        <p:txBody>
+          <a:bodyPr wrap="none">
+            <a:spAutoFit/>
+          </a:bodyPr>
+          <a:lstStyle/>
+          <a:p>
+            <a:pPr marL="342900" indent="-342900">
+              <a:buFont typeface="Arial" panose="020B0604020202020204" pitchFamily="34" charset="0"/>
+              <a:buChar char="•"/>
+            </a:pPr>
+            <a:r>
+              <a:rPr lang="en-US" sz="2400" dirty="0">
+                <a:latin typeface="Arial Narrow" panose="020B0606020202030204" pitchFamily="34" charset="0"/>
+              </a:rPr>
+              <a:t>What if I want to help? </a:t>
+            </a:r>
+            <a:r>
+              <a:rPr lang="en-US" sz="2400" dirty="0">
+                <a:latin typeface="Arial Narrow" panose="020B0606020202030204" pitchFamily="34" charset="0"/>
+                <a:hlinkClick r:id="rId7"/>
+              </a:rPr>
+              <a:t>https://github.com/diffpy/</a:t>
+            </a:r>
+            <a:endParaRPr lang="en-US" sz="2400" dirty="0">
+              <a:latin typeface="Arial Narrow" panose="020B0606020202030204" pitchFamily="34" charset="0"/>
+            </a:endParaRPr>
+          </a:p>
+        </p:txBody>
+      </p:sp>
+      <p:sp>
+        <p:nvSpPr>
+          <p:cNvPr id="11" name="Rectangle 10">
+            <a:extLst>
+              <a:ext uri="{FF2B5EF4-FFF2-40B4-BE49-F238E27FC236}">
+                <a16:creationId xmlns:a16="http://schemas.microsoft.com/office/drawing/2014/main" id="{2618CBA9-7FE1-411F-952E-C44D9ACAE327}"/>
+              </a:ext>
+            </a:extLst>
+          </p:cNvPr>
+          <p:cNvSpPr/>
+          <p:nvPr/>
+        </p:nvSpPr>
+        <p:spPr>
+          <a:xfrm>
+            <a:off x="1" y="696245"/>
+            <a:ext cx="6608221" cy="2308324"/>
+          </a:xfrm>
+          <a:prstGeom prst="rect">
+            <a:avLst/>
+          </a:prstGeom>
+        </p:spPr>
+        <p:txBody>
+          <a:bodyPr wrap="square">
+            <a:spAutoFit/>
+          </a:bodyPr>
+          <a:lstStyle/>
+          <a:p>
+            <a:pPr marL="342900" indent="-342900">
+              <a:buFont typeface="Arial" panose="020B0604020202020204" pitchFamily="34" charset="0"/>
+              <a:buChar char="•"/>
+            </a:pPr>
+            <a:r>
+              <a:rPr lang="en-US" sz="2400" dirty="0">
+                <a:latin typeface="Arial Narrow" panose="020B0606020202030204" pitchFamily="34" charset="0"/>
+              </a:rPr>
+              <a:t>Why would I use it?</a:t>
+            </a:r>
+          </a:p>
+          <a:p>
+            <a:pPr marL="800100" lvl="1" indent="-342900">
+              <a:buFont typeface="Arial" panose="020B0604020202020204" pitchFamily="34" charset="0"/>
+              <a:buChar char="•"/>
+            </a:pPr>
+            <a:r>
+              <a:rPr lang="en-US" sz="2400" dirty="0" err="1">
+                <a:latin typeface="Arial Narrow" panose="020B0606020202030204" pitchFamily="34" charset="0"/>
+              </a:rPr>
+              <a:t>PDFgui</a:t>
+            </a:r>
+            <a:r>
+              <a:rPr lang="en-US" sz="2400" dirty="0">
+                <a:latin typeface="Arial Narrow" panose="020B0606020202030204" pitchFamily="34" charset="0"/>
+              </a:rPr>
+              <a:t> will only get you so far</a:t>
+            </a:r>
+          </a:p>
+          <a:p>
+            <a:pPr marL="800100" lvl="1" indent="-342900">
+              <a:buFont typeface="Arial" panose="020B0604020202020204" pitchFamily="34" charset="0"/>
+              <a:buChar char="•"/>
+            </a:pPr>
+            <a:r>
+              <a:rPr lang="en-US" sz="2400" dirty="0">
+                <a:latin typeface="Arial Narrow" panose="020B0606020202030204" pitchFamily="34" charset="0"/>
+              </a:rPr>
+              <a:t>A prerequisite of all advanced modelling is initial basic understanding</a:t>
+            </a:r>
+          </a:p>
+          <a:p>
+            <a:pPr marL="800100" lvl="1" indent="-342900">
+              <a:buFont typeface="Arial" panose="020B0604020202020204" pitchFamily="34" charset="0"/>
+              <a:buChar char="•"/>
+            </a:pPr>
+            <a:r>
+              <a:rPr lang="en-US" sz="2400" dirty="0">
+                <a:latin typeface="Arial Narrow" panose="020B0606020202030204" pitchFamily="34" charset="0"/>
+              </a:rPr>
+              <a:t>Python can streamline the handling and post processing of many datasets</a:t>
+            </a:r>
+          </a:p>
+        </p:txBody>
+      </p:sp>
+      <p:sp>
+        <p:nvSpPr>
+          <p:cNvPr id="12" name="Rectangle 11">
+            <a:extLst>
+              <a:ext uri="{FF2B5EF4-FFF2-40B4-BE49-F238E27FC236}">
+                <a16:creationId xmlns:a16="http://schemas.microsoft.com/office/drawing/2014/main" id="{DF96CF54-332F-401F-9E32-AB471E07CEA3}"/>
+              </a:ext>
+            </a:extLst>
+          </p:cNvPr>
+          <p:cNvSpPr/>
+          <p:nvPr/>
+        </p:nvSpPr>
+        <p:spPr>
+          <a:xfrm>
+            <a:off x="-89703" y="6063684"/>
+            <a:ext cx="7046031" cy="461665"/>
+          </a:xfrm>
+          <a:prstGeom prst="rect">
+            <a:avLst/>
+          </a:prstGeom>
+        </p:spPr>
+        <p:txBody>
+          <a:bodyPr wrap="none">
+            <a:spAutoFit/>
+          </a:bodyPr>
+          <a:lstStyle/>
+          <a:p>
+            <a:r>
+              <a:rPr lang="en-US" sz="1200" dirty="0">
+                <a:solidFill>
+                  <a:srgbClr val="003366"/>
+                </a:solidFill>
+                <a:latin typeface="Verdana" panose="020B0604030504040204" pitchFamily="34" charset="0"/>
+                <a:hlinkClick r:id="rId8" tooltip="Open URL link">
+                  <a:extLst>
+                    <a:ext uri="{A12FA001-AC4F-418D-AE19-62706E023703}">
+                      <ahyp:hlinkClr xmlns:ahyp="http://schemas.microsoft.com/office/drawing/2018/hyperlinkcolor" val="tx"/>
+                    </a:ext>
+                  </a:extLst>
+                </a:hlinkClick>
+              </a:rPr>
+              <a:t>Juhas, P., Farrow, C., Yang, X., Knox, K. &amp; Billinge, S. (2015). </a:t>
+            </a:r>
+            <a:r>
+              <a:rPr lang="en-US" sz="1200" i="1" dirty="0">
+                <a:solidFill>
+                  <a:srgbClr val="003366"/>
+                </a:solidFill>
+                <a:latin typeface="Verdana" panose="020B0604030504040204" pitchFamily="34" charset="0"/>
+                <a:hlinkClick r:id="rId8" tooltip="Open URL link">
+                  <a:extLst>
+                    <a:ext uri="{A12FA001-AC4F-418D-AE19-62706E023703}">
+                      <ahyp:hlinkClr xmlns:ahyp="http://schemas.microsoft.com/office/drawing/2018/hyperlinkcolor" val="tx"/>
+                    </a:ext>
+                  </a:extLst>
+                </a:hlinkClick>
+              </a:rPr>
+              <a:t>Acta </a:t>
+            </a:r>
+            <a:r>
+              <a:rPr lang="en-US" sz="1200" i="1" dirty="0" err="1">
+                <a:solidFill>
+                  <a:srgbClr val="003366"/>
+                </a:solidFill>
+                <a:latin typeface="Verdana" panose="020B0604030504040204" pitchFamily="34" charset="0"/>
+                <a:hlinkClick r:id="rId8" tooltip="Open URL link">
+                  <a:extLst>
+                    <a:ext uri="{A12FA001-AC4F-418D-AE19-62706E023703}">
+                      <ahyp:hlinkClr xmlns:ahyp="http://schemas.microsoft.com/office/drawing/2018/hyperlinkcolor" val="tx"/>
+                    </a:ext>
+                  </a:extLst>
+                </a:hlinkClick>
+              </a:rPr>
+              <a:t>Cryst</a:t>
+            </a:r>
+            <a:r>
+              <a:rPr lang="en-US" sz="1200" i="1" dirty="0">
+                <a:solidFill>
+                  <a:srgbClr val="003366"/>
+                </a:solidFill>
+                <a:latin typeface="Verdana" panose="020B0604030504040204" pitchFamily="34" charset="0"/>
+                <a:hlinkClick r:id="rId8" tooltip="Open URL link">
+                  <a:extLst>
+                    <a:ext uri="{A12FA001-AC4F-418D-AE19-62706E023703}">
+                      <ahyp:hlinkClr xmlns:ahyp="http://schemas.microsoft.com/office/drawing/2018/hyperlinkcolor" val="tx"/>
+                    </a:ext>
+                  </a:extLst>
+                </a:hlinkClick>
+              </a:rPr>
+              <a:t>. A71</a:t>
+            </a:r>
+            <a:r>
+              <a:rPr lang="en-US" sz="1200" dirty="0">
+                <a:solidFill>
+                  <a:srgbClr val="003366"/>
+                </a:solidFill>
+                <a:latin typeface="Verdana" panose="020B0604030504040204" pitchFamily="34" charset="0"/>
+                <a:hlinkClick r:id="rId8" tooltip="Open URL link">
+                  <a:extLst>
+                    <a:ext uri="{A12FA001-AC4F-418D-AE19-62706E023703}">
+                      <ahyp:hlinkClr xmlns:ahyp="http://schemas.microsoft.com/office/drawing/2018/hyperlinkcolor" val="tx"/>
+                    </a:ext>
+                  </a:extLst>
+                </a:hlinkClick>
+              </a:rPr>
+              <a:t>, 562-568.</a:t>
+            </a:r>
+          </a:p>
+          <a:p>
+            <a:r>
+              <a:rPr lang="en-US" sz="1200" dirty="0">
+                <a:solidFill>
+                  <a:srgbClr val="003366"/>
+                </a:solidFill>
+                <a:latin typeface="Verdana" panose="020B0604030504040204" pitchFamily="34" charset="0"/>
+                <a:hlinkClick r:id="rId8" tooltip="Open URL link">
+                  <a:extLst>
+                    <a:ext uri="{A12FA001-AC4F-418D-AE19-62706E023703}">
+                      <ahyp:hlinkClr xmlns:ahyp="http://schemas.microsoft.com/office/drawing/2018/hyperlinkcolor" val="tx"/>
+                    </a:ext>
+                  </a:extLst>
+                </a:hlinkClick>
+              </a:rPr>
+              <a:t>https://doi.org/10.1107/S2053273315014473</a:t>
+            </a:r>
+            <a:endParaRPr lang="en-US" sz="1200" dirty="0"/>
+          </a:p>
+        </p:txBody>
+      </p:sp>
+      <p:pic>
+        <p:nvPicPr>
+          <p:cNvPr id="13" name="Picture 12">
+            <a:extLst>
+              <a:ext uri="{FF2B5EF4-FFF2-40B4-BE49-F238E27FC236}">
+                <a16:creationId xmlns:a16="http://schemas.microsoft.com/office/drawing/2014/main" id="{F089FA8B-00AD-4304-82C7-D5FAE8B629D9}"/>
+              </a:ext>
+            </a:extLst>
+          </p:cNvPr>
+          <p:cNvPicPr>
+            <a:picLocks noChangeAspect="1"/>
+          </p:cNvPicPr>
+          <p:nvPr/>
+        </p:nvPicPr>
+        <p:blipFill>
+          <a:blip r:embed="rId9"/>
+          <a:stretch>
+            <a:fillRect/>
+          </a:stretch>
+        </p:blipFill>
+        <p:spPr>
+          <a:xfrm>
+            <a:off x="7263442" y="17174"/>
+            <a:ext cx="4928558" cy="4302797"/>
+          </a:xfrm>
+          <a:prstGeom prst="rect">
+            <a:avLst/>
+          </a:prstGeom>
+        </p:spPr>
+      </p:pic>
+      <p:sp>
+        <p:nvSpPr>
+          <p:cNvPr id="14" name="Rectangle 13">
+            <a:extLst>
+              <a:ext uri="{FF2B5EF4-FFF2-40B4-BE49-F238E27FC236}">
+                <a16:creationId xmlns:a16="http://schemas.microsoft.com/office/drawing/2014/main" id="{5AB5FA66-12BE-49C1-8B85-7DBB0C516DD4}"/>
+              </a:ext>
+            </a:extLst>
+          </p:cNvPr>
+          <p:cNvSpPr/>
+          <p:nvPr/>
+        </p:nvSpPr>
+        <p:spPr>
+          <a:xfrm>
+            <a:off x="6608222" y="5423575"/>
+            <a:ext cx="6096000" cy="1200329"/>
+          </a:xfrm>
+          <a:prstGeom prst="rect">
+            <a:avLst/>
+          </a:prstGeom>
+        </p:spPr>
+        <p:txBody>
+          <a:bodyPr>
+            <a:spAutoFit/>
+          </a:bodyPr>
+          <a:lstStyle/>
+          <a:p>
+            <a:pPr marL="800100" lvl="1" indent="-342900">
+              <a:buFont typeface="Arial" panose="020B0604020202020204" pitchFamily="34" charset="0"/>
+              <a:buChar char="•"/>
+            </a:pPr>
+            <a:r>
+              <a:rPr lang="en-US" sz="2400" dirty="0">
+                <a:latin typeface="Arial Narrow" panose="020B0606020202030204" pitchFamily="34" charset="0"/>
+              </a:rPr>
+              <a:t>I cannot reduce your data</a:t>
+            </a:r>
+          </a:p>
+          <a:p>
+            <a:pPr marL="800100" lvl="1" indent="-342900">
+              <a:buFont typeface="Arial" panose="020B0604020202020204" pitchFamily="34" charset="0"/>
+              <a:buChar char="•"/>
+            </a:pPr>
+            <a:r>
+              <a:rPr lang="en-US" sz="2400" dirty="0">
+                <a:latin typeface="Arial Narrow" panose="020B0606020202030204" pitchFamily="34" charset="0"/>
+              </a:rPr>
+              <a:t>I cannot write your code</a:t>
+            </a:r>
+          </a:p>
+          <a:p>
+            <a:pPr marL="800100" lvl="1" indent="-342900">
+              <a:buFont typeface="Arial" panose="020B0604020202020204" pitchFamily="34" charset="0"/>
+              <a:buChar char="•"/>
+            </a:pPr>
+            <a:r>
+              <a:rPr lang="en-US" sz="2400" dirty="0">
+                <a:latin typeface="Arial Narrow" panose="020B0606020202030204" pitchFamily="34" charset="0"/>
+              </a:rPr>
+              <a:t>I cannot give you CPU cycles</a:t>
+            </a:r>
+          </a:p>
+        </p:txBody>
+      </p:sp>
+    </p:spTree>
+    <p:custDataLst>
+      <p:tags r:id="rId1"/>
+    </p:custDataLst>
+    <p:extLst>
+      <p:ext uri="{BB962C8B-B14F-4D97-AF65-F5344CB8AC3E}">
+        <p14:creationId xmlns:p14="http://schemas.microsoft.com/office/powerpoint/2010/main" val="2417332198"/>
+      </p:ext>
+    </p:extLst>
+  </p:cSld>
+  <p:clrMapOvr>
+    <a:masterClrMapping/>
+  </p:clrMapOvr>
+  <mc:AlternateContent xmlns:mc="http://schemas.openxmlformats.org/markup-compatibility/2006" xmlns:p14="http://schemas.microsoft.com/office/powerpoint/2010/main">
+    <mc:Choice Requires="p14">
+      <p:transition spd="slow" p14:dur="2000" advTm="54855"/>
+    </mc:Choice>
+    <mc:Fallback xmlns="">
+      <p:transition spd="slow" advTm="54855"/>
+    </mc:Fallback>
+  </mc:AlternateContent>
+  <p:timing>
+    <p:tnLst>
+      <p:par>
+        <p:cTn id="1" dur="indefinite" restart="never" nodeType="tmRoot">
+          <p:childTnLst>
+            <p:seq concurrent="1" nextAc="seek">
+              <p:cTn id="2" dur="indefinite" nodeType="mainSeq">
+                <p:childTnLst>
+                  <p:par>
+                    <p:cTn id="3" fill="hold">
+                      <p:stCondLst>
+                        <p:cond delay="indefinite"/>
+                      </p:stCondLst>
+                      <p:childTnLst>
+                        <p:par>
+                          <p:cTn id="4" fill="hold">
+                            <p:stCondLst>
+                              <p:cond delay="0"/>
+                            </p:stCondLst>
+                            <p:childTnLst>
+                              <p:par>
+                                <p:cTn id="5" presetID="1" presetClass="entr" presetSubtype="0" fill="hold" grpId="0" nodeType="clickEffect">
+                                  <p:stCondLst>
+                                    <p:cond delay="0"/>
+                                  </p:stCondLst>
+                                  <p:childTnLst>
+                                    <p:set>
+                                      <p:cBhvr>
+                                        <p:cTn id="6" dur="1" fill="hold">
+                                          <p:stCondLst>
+                                            <p:cond delay="0"/>
+                                          </p:stCondLst>
+                                        </p:cTn>
+                                        <p:tgtEl>
+                                          <p:spTgt spid="11"/>
+                                        </p:tgtEl>
+                                        <p:attrNameLst>
+                                          <p:attrName>style.visibility</p:attrName>
+                                        </p:attrNameLst>
+                                      </p:cBhvr>
+                                      <p:to>
+                                        <p:strVal val="visible"/>
+                                      </p:to>
+                                    </p:set>
+                                  </p:childTnLst>
+                                </p:cTn>
+                              </p:par>
+                            </p:childTnLst>
+                          </p:cTn>
+                        </p:par>
+                      </p:childTnLst>
+                    </p:cTn>
+                  </p:par>
+                  <p:par>
+                    <p:cTn id="7" fill="hold">
+                      <p:stCondLst>
+                        <p:cond delay="indefinite"/>
+                      </p:stCondLst>
+                      <p:childTnLst>
+                        <p:par>
+                          <p:cTn id="8" fill="hold">
+                            <p:stCondLst>
+                              <p:cond delay="0"/>
+                            </p:stCondLst>
+                            <p:childTnLst>
+                              <p:par>
+                                <p:cTn id="9" presetID="1" presetClass="entr" presetSubtype="0" fill="hold" grpId="0" nodeType="clickEffect">
+                                  <p:stCondLst>
+                                    <p:cond delay="0"/>
+                                  </p:stCondLst>
+                                  <p:childTnLst>
+                                    <p:set>
+                                      <p:cBhvr>
+                                        <p:cTn id="10" dur="1" fill="hold">
+                                          <p:stCondLst>
+                                            <p:cond delay="0"/>
+                                          </p:stCondLst>
+                                        </p:cTn>
+                                        <p:tgtEl>
+                                          <p:spTgt spid="7"/>
+                                        </p:tgtEl>
+                                        <p:attrNameLst>
+                                          <p:attrName>style.visibility</p:attrName>
+                                        </p:attrNameLst>
+                                      </p:cBhvr>
+                                      <p:to>
+                                        <p:strVal val="visible"/>
+                                      </p:to>
+                                    </p:set>
+                                  </p:childTnLst>
+                                </p:cTn>
+                              </p:par>
+                            </p:childTnLst>
+                          </p:cTn>
+                        </p:par>
+                      </p:childTnLst>
+                    </p:cTn>
+                  </p:par>
+                  <p:par>
+                    <p:cTn id="11" fill="hold">
+                      <p:stCondLst>
+                        <p:cond delay="indefinite"/>
+                      </p:stCondLst>
+                      <p:childTnLst>
+                        <p:par>
+                          <p:cTn id="12" fill="hold">
+                            <p:stCondLst>
+                              <p:cond delay="0"/>
+                            </p:stCondLst>
+                            <p:childTnLst>
+                              <p:par>
+                                <p:cTn id="13" presetID="1" presetClass="entr" presetSubtype="0" fill="hold" grpId="0" nodeType="clickEffect">
+                                  <p:stCondLst>
+                                    <p:cond delay="0"/>
+                                  </p:stCondLst>
+                                  <p:childTnLst>
+                                    <p:set>
+                                      <p:cBhvr>
+                                        <p:cTn id="14" dur="1" fill="hold">
+                                          <p:stCondLst>
+                                            <p:cond delay="0"/>
+                                          </p:stCondLst>
+                                        </p:cTn>
+                                        <p:tgtEl>
+                                          <p:spTgt spid="8"/>
+                                        </p:tgtEl>
+                                        <p:attrNameLst>
+                                          <p:attrName>style.visibility</p:attrName>
+                                        </p:attrNameLst>
+                                      </p:cBhvr>
+                                      <p:to>
+                                        <p:strVal val="visible"/>
+                                      </p:to>
+                                    </p:set>
+                                  </p:childTnLst>
+                                </p:cTn>
+                              </p:par>
+                            </p:childTnLst>
+                          </p:cTn>
+                        </p:par>
+                      </p:childTnLst>
+                    </p:cTn>
+                  </p:par>
+                  <p:par>
+                    <p:cTn id="15" fill="hold">
+                      <p:stCondLst>
+                        <p:cond delay="indefinite"/>
+                      </p:stCondLst>
+                      <p:childTnLst>
+                        <p:par>
+                          <p:cTn id="16" fill="hold">
+                            <p:stCondLst>
+                              <p:cond delay="0"/>
+                            </p:stCondLst>
+                            <p:childTnLst>
+                              <p:par>
+                                <p:cTn id="17" presetID="1" presetClass="entr" presetSubtype="0" fill="hold" grpId="0" nodeType="clickEffect">
+                                  <p:stCondLst>
+                                    <p:cond delay="0"/>
+                                  </p:stCondLst>
+                                  <p:childTnLst>
+                                    <p:set>
+                                      <p:cBhvr>
+                                        <p:cTn id="18" dur="1" fill="hold">
+                                          <p:stCondLst>
+                                            <p:cond delay="0"/>
+                                          </p:stCondLst>
+                                        </p:cTn>
+                                        <p:tgtEl>
+                                          <p:spTgt spid="10"/>
+                                        </p:tgtEl>
+                                        <p:attrNameLst>
+                                          <p:attrName>style.visibility</p:attrName>
+                                        </p:attrNameLst>
+                                      </p:cBhvr>
+                                      <p:to>
+                                        <p:strVal val="visible"/>
+                                      </p:to>
+                                    </p:set>
+                                  </p:childTnLst>
+                                </p:cTn>
+                              </p:par>
+                            </p:childTnLst>
+                          </p:cTn>
+                        </p:par>
+                      </p:childTnLst>
+                    </p:cTn>
+                  </p:par>
+                  <p:par>
+                    <p:cTn id="19" fill="hold">
+                      <p:stCondLst>
+                        <p:cond delay="indefinite"/>
+                      </p:stCondLst>
+                      <p:childTnLst>
+                        <p:par>
+                          <p:cTn id="20" fill="hold">
+                            <p:stCondLst>
+                              <p:cond delay="0"/>
+                            </p:stCondLst>
+                            <p:childTnLst>
+                              <p:par>
+                                <p:cTn id="21" presetID="1" presetClass="entr" presetSubtype="0" fill="hold" grpId="0" nodeType="clickEffect">
+                                  <p:stCondLst>
+                                    <p:cond delay="0"/>
+                                  </p:stCondLst>
+                                  <p:childTnLst>
+                                    <p:set>
+                                      <p:cBhvr>
+                                        <p:cTn id="22" dur="1" fill="hold">
+                                          <p:stCondLst>
+                                            <p:cond delay="0"/>
+                                          </p:stCondLst>
+                                        </p:cTn>
+                                        <p:tgtEl>
+                                          <p:spTgt spid="9"/>
+                                        </p:tgtEl>
+                                        <p:attrNameLst>
+                                          <p:attrName>style.visibility</p:attrName>
+                                        </p:attrNameLst>
+                                      </p:cBhvr>
+                                      <p:to>
+                                        <p:strVal val="visible"/>
+                                      </p:to>
+                                    </p:set>
+                                  </p:childTnLst>
+                                </p:cTn>
+                              </p:par>
+                            </p:childTnLst>
+                          </p:cTn>
+                        </p:par>
+                      </p:childTnLst>
+                    </p:cTn>
+                  </p:par>
+                  <p:par>
+                    <p:cTn id="23" fill="hold">
+                      <p:stCondLst>
+                        <p:cond delay="indefinite"/>
+                      </p:stCondLst>
+                      <p:childTnLst>
+                        <p:par>
+                          <p:cTn id="24" fill="hold">
+                            <p:stCondLst>
+                              <p:cond delay="0"/>
+                            </p:stCondLst>
+                            <p:childTnLst>
+                              <p:par>
+                                <p:cTn id="25" presetID="1" presetClass="entr" presetSubtype="0" fill="hold" grpId="0" nodeType="clickEffect">
+                                  <p:stCondLst>
+                                    <p:cond delay="0"/>
+                                  </p:stCondLst>
+                                  <p:childTnLst>
+                                    <p:set>
+                                      <p:cBhvr>
+                                        <p:cTn id="26" dur="1" fill="hold">
+                                          <p:stCondLst>
+                                            <p:cond delay="0"/>
+                                          </p:stCondLst>
+                                        </p:cTn>
+                                        <p:tgtEl>
+                                          <p:spTgt spid="14"/>
+                                        </p:tgtEl>
+                                        <p:attrNameLst>
+                                          <p:attrName>style.visibility</p:attrName>
+                                        </p:attrNameLst>
+                                      </p:cBhvr>
+                                      <p:to>
+                                        <p:strVal val="visible"/>
+                                      </p:to>
+                                    </p:set>
+                                  </p:childTnLst>
+                                </p:cTn>
+                              </p:par>
+                            </p:childTnLst>
+                          </p:cTn>
+                        </p:par>
+                      </p:childTnLst>
+                    </p:cTn>
+                  </p:par>
+                </p:childTnLst>
+              </p:cTn>
+              <p:prevCondLst>
+                <p:cond evt="onPrev" delay="0">
+                  <p:tgtEl>
+                    <p:sldTgt/>
+                  </p:tgtEl>
+                </p:cond>
+              </p:prevCondLst>
+              <p:nextCondLst>
+                <p:cond evt="onNext" delay="0">
+                  <p:tgtEl>
+                    <p:sldTgt/>
+                  </p:tgtEl>
+                </p:cond>
+              </p:nextCondLst>
+            </p:seq>
+          </p:childTnLst>
+        </p:cTn>
+      </p:par>
+    </p:tnLst>
+    <p:bldLst>
+      <p:bldP spid="7" grpId="0"/>
+      <p:bldP spid="8" grpId="0"/>
+      <p:bldP spid="9" grpId="0"/>
+      <p:bldP spid="10" grpId="0"/>
+      <p:bldP spid="11" grpId="0"/>
+      <p:bldP spid="14" grpId="0"/>
+    </p:bldLst>
+  </p:timing>
+</p:sld>
+</file>
+
+<file path=ppt/slides/slide5.xml><?xml version="1.0" encoding="utf-8"?>
+<p:sld xmlns:a="http://schemas.openxmlformats.org/drawingml/2006/main" xmlns:r="http://schemas.openxmlformats.org/officeDocument/2006/relationships" xmlns:p="http://schemas.openxmlformats.org/presentationml/2006/main">
+  <p:cSld>
+    <p:spTree>
+      <p:nvGrpSpPr>
+        <p:cNvPr id="1" name=""/>
+        <p:cNvGrpSpPr/>
+        <p:nvPr/>
+      </p:nvGrpSpPr>
+      <p:grpSpPr>
+        <a:xfrm>
+          <a:off x="0" y="0"/>
+          <a:ext cx="0" cy="0"/>
+          <a:chOff x="0" y="0"/>
+          <a:chExt cx="0" cy="0"/>
+        </a:xfrm>
+      </p:grpSpPr>
+      <p:sp>
+        <p:nvSpPr>
+          <p:cNvPr id="2" name="Title 1">
+            <a:extLst>
+              <a:ext uri="{FF2B5EF4-FFF2-40B4-BE49-F238E27FC236}">
+                <a16:creationId xmlns:a16="http://schemas.microsoft.com/office/drawing/2014/main" id="{AFB563CE-1DCC-491C-B8D2-0C02DF5BBBE6}"/>
+              </a:ext>
+            </a:extLst>
+          </p:cNvPr>
+          <p:cNvSpPr txBox="1">
+            <a:spLocks/>
+          </p:cNvSpPr>
+          <p:nvPr/>
+        </p:nvSpPr>
+        <p:spPr>
+          <a:xfrm>
+            <a:off x="0" y="-1"/>
+            <a:ext cx="12192000" cy="914400"/>
+          </a:xfrm>
+          <a:prstGeom prst="rect">
+            <a:avLst/>
+          </a:prstGeom>
+          <a:solidFill>
+            <a:schemeClr val="bg1"/>
+          </a:solidFill>
+        </p:spPr>
+        <p:txBody>
+          <a:bodyPr vert="horz" lIns="121920" tIns="60960" rIns="121920" bIns="60960" rtlCol="0" anchor="ctr">
+            <a:normAutofit/>
+          </a:bodyPr>
+          <a:lstStyle/>
+          <a:p>
+            <a:pPr lvl="0">
+              <a:spcBef>
+                <a:spcPct val="0"/>
+              </a:spcBef>
+            </a:pPr>
+            <a:r>
+              <a:rPr lang="en-US" sz="4267" b="1" dirty="0">
+                <a:solidFill>
+                  <a:schemeClr val="accent1">
+                    <a:lumMod val="50000"/>
+                  </a:schemeClr>
+                </a:solidFill>
+                <a:latin typeface="Arial Narrow" panose="020B0606020202030204" pitchFamily="34" charset="0"/>
+                <a:ea typeface="+mj-ea"/>
+                <a:cs typeface="Arial" panose="020B0604020202020204" pitchFamily="34" charset="0"/>
+              </a:rPr>
+              <a:t>Let’s do some practical examples</a:t>
+            </a:r>
+          </a:p>
+        </p:txBody>
+      </p:sp>
+      <p:sp>
+        <p:nvSpPr>
+          <p:cNvPr id="5" name="TextBox 4">
+            <a:extLst>
+              <a:ext uri="{FF2B5EF4-FFF2-40B4-BE49-F238E27FC236}">
+                <a16:creationId xmlns:a16="http://schemas.microsoft.com/office/drawing/2014/main" id="{4628B677-D57E-4824-9A96-950C2164761F}"/>
+              </a:ext>
+            </a:extLst>
+          </p:cNvPr>
+          <p:cNvSpPr txBox="1"/>
+          <p:nvPr/>
+        </p:nvSpPr>
+        <p:spPr>
+          <a:xfrm>
+            <a:off x="0" y="1937099"/>
+            <a:ext cx="12560060" cy="733534"/>
+          </a:xfrm>
+          <a:prstGeom prst="rect">
+            <a:avLst/>
+          </a:prstGeom>
+          <a:noFill/>
+        </p:spPr>
+        <p:txBody>
+          <a:bodyPr wrap="square" rtlCol="0">
+            <a:spAutoFit/>
+          </a:bodyPr>
+          <a:lstStyle/>
+          <a:p>
+            <a:pPr marL="342900" indent="-342900">
+              <a:buFont typeface="Arial" panose="020B0604020202020204" pitchFamily="34" charset="0"/>
+              <a:buChar char="•"/>
+            </a:pPr>
+            <a:r>
+              <a:rPr lang="en-US" sz="2400" dirty="0">
+                <a:latin typeface="Arial Narrow" panose="020B0606020202030204" pitchFamily="34" charset="0"/>
+              </a:rPr>
+              <a:t>You can follow along: </a:t>
+            </a:r>
+            <a:r>
+              <a:rPr lang="en-US" sz="2400" dirty="0">
+                <a:hlinkClick r:id="rId4"/>
+              </a:rPr>
+              <a:t>https://mybinder.org/v2/gh/rjkoch/2019_ORNL_total_scattering/master</a:t>
+            </a:r>
+            <a:endParaRPr lang="en-US" sz="2400" dirty="0"/>
+          </a:p>
+          <a:p>
+            <a:pPr marL="342900" indent="-342900">
+              <a:buFont typeface="Arial" panose="020B0604020202020204" pitchFamily="34" charset="0"/>
+              <a:buChar char="•"/>
+            </a:pPr>
+            <a:endParaRPr lang="en-US" sz="2400" baseline="-25000" dirty="0">
+              <a:latin typeface="Arial Narrow" panose="020B0606020202030204" pitchFamily="34" charset="0"/>
+            </a:endParaRPr>
+          </a:p>
+        </p:txBody>
+      </p:sp>
+      <p:sp>
+        <p:nvSpPr>
+          <p:cNvPr id="6" name="TextBox 5">
+            <a:extLst>
+              <a:ext uri="{FF2B5EF4-FFF2-40B4-BE49-F238E27FC236}">
+                <a16:creationId xmlns:a16="http://schemas.microsoft.com/office/drawing/2014/main" id="{620E5504-E3AF-4A83-9D47-6908C9A5C737}"/>
+              </a:ext>
+            </a:extLst>
+          </p:cNvPr>
+          <p:cNvSpPr txBox="1"/>
+          <p:nvPr/>
+        </p:nvSpPr>
+        <p:spPr>
+          <a:xfrm>
+            <a:off x="-1" y="1194916"/>
+            <a:ext cx="12191999" cy="477054"/>
+          </a:xfrm>
+          <a:prstGeom prst="rect">
+            <a:avLst/>
+          </a:prstGeom>
+          <a:noFill/>
+        </p:spPr>
+        <p:txBody>
+          <a:bodyPr wrap="square" rtlCol="0">
+            <a:spAutoFit/>
+          </a:bodyPr>
+          <a:lstStyle/>
+          <a:p>
+            <a:pPr marL="342900" indent="-342900">
+              <a:buFont typeface="Arial" panose="020B0604020202020204" pitchFamily="34" charset="0"/>
+              <a:buChar char="•"/>
+            </a:pPr>
+            <a:r>
+              <a:rPr lang="en-US" sz="2400" dirty="0">
+                <a:latin typeface="Arial Narrow" panose="020B0606020202030204" pitchFamily="34" charset="0"/>
+              </a:rPr>
+              <a:t>You can have the source code:  </a:t>
+            </a:r>
+            <a:r>
+              <a:rPr lang="en-US" sz="2400" dirty="0">
+                <a:hlinkClick r:id="rId5"/>
+              </a:rPr>
+              <a:t>https://github.com/rjkoch/2019_ORNL_total_scattering</a:t>
+            </a:r>
+            <a:endParaRPr lang="en-US" sz="2400" baseline="-25000" dirty="0">
+              <a:latin typeface="Arial Narrow" panose="020B0606020202030204" pitchFamily="34" charset="0"/>
+            </a:endParaRPr>
+          </a:p>
+        </p:txBody>
+      </p:sp>
+    </p:spTree>
+    <p:custDataLst>
+      <p:tags r:id="rId1"/>
+    </p:custDataLst>
+    <p:extLst>
+      <p:ext uri="{BB962C8B-B14F-4D97-AF65-F5344CB8AC3E}">
+        <p14:creationId xmlns:p14="http://schemas.microsoft.com/office/powerpoint/2010/main" val="1928278501"/>
+      </p:ext>
+    </p:extLst>
+  </p:cSld>
+  <p:clrMapOvr>
+    <a:masterClrMapping/>
+  </p:clrMapOvr>
+  <mc:AlternateContent xmlns:mc="http://schemas.openxmlformats.org/markup-compatibility/2006" xmlns:p14="http://schemas.microsoft.com/office/powerpoint/2010/main">
+    <mc:Choice Requires="p14">
+      <p:transition spd="slow" p14:dur="2000" advTm="54855"/>
+    </mc:Choice>
+    <mc:Fallback xmlns="">
+      <p:transition spd="slow" advTm="54855"/>
+    </mc:Fallback>
+  </mc:AlternateContent>
+  <p:timing>
+    <p:tnLst>
+      <p:par>
+        <p:cTn id="1" dur="indefinite" restart="never" nodeType="tmRoot">
+          <p:childTnLst>
+            <p:seq concurrent="1" nextAc="seek">
+              <p:cTn id="2" dur="indefinite" nodeType="mainSeq">
+                <p:childTnLst>
+                  <p:par>
+                    <p:cTn id="3" fill="hold">
+                      <p:stCondLst>
+                        <p:cond delay="indefinite"/>
+                      </p:stCondLst>
+                      <p:childTnLst>
+                        <p:par>
+                          <p:cTn id="4" fill="hold">
+                            <p:stCondLst>
+                              <p:cond delay="0"/>
+                            </p:stCondLst>
+                            <p:childTnLst>
+                              <p:par>
+                                <p:cTn id="5" presetID="1" presetClass="entr" presetSubtype="0" fill="hold" grpId="0" nodeType="clickEffect">
+                                  <p:stCondLst>
+                                    <p:cond delay="0"/>
+                                  </p:stCondLst>
+                                  <p:childTnLst>
+                                    <p:set>
+                                      <p:cBhvr>
+                                        <p:cTn id="6" dur="1" fill="hold">
+                                          <p:stCondLst>
+                                            <p:cond delay="0"/>
+                                          </p:stCondLst>
+                                        </p:cTn>
+                                        <p:tgtEl>
+                                          <p:spTgt spid="6"/>
+                                        </p:tgtEl>
+                                        <p:attrNameLst>
+                                          <p:attrName>style.visibility</p:attrName>
+                                        </p:attrNameLst>
+                                      </p:cBhvr>
+                                      <p:to>
+                                        <p:strVal val="visible"/>
+                                      </p:to>
+                                    </p:set>
+                                  </p:childTnLst>
+                                </p:cTn>
+                              </p:par>
+                            </p:childTnLst>
+                          </p:cTn>
+                        </p:par>
+                      </p:childTnLst>
+                    </p:cTn>
+                  </p:par>
+                  <p:par>
+                    <p:cTn id="7" fill="hold">
+                      <p:stCondLst>
+                        <p:cond delay="indefinite"/>
+                      </p:stCondLst>
+                      <p:childTnLst>
+                        <p:par>
+                          <p:cTn id="8" fill="hold">
+                            <p:stCondLst>
+                              <p:cond delay="0"/>
+                            </p:stCondLst>
+                            <p:childTnLst>
+                              <p:par>
+                                <p:cTn id="9" presetID="1" presetClass="entr" presetSubtype="0" fill="hold" grpId="0" nodeType="clickEffect">
+                                  <p:stCondLst>
+                                    <p:cond delay="0"/>
+                                  </p:stCondLst>
+                                  <p:childTnLst>
+                                    <p:set>
+                                      <p:cBhvr>
+                                        <p:cTn id="10" dur="1" fill="hold">
+                                          <p:stCondLst>
+                                            <p:cond delay="0"/>
+                                          </p:stCondLst>
+                                        </p:cTn>
+                                        <p:tgtEl>
+                                          <p:spTgt spid="5"/>
+                                        </p:tgtEl>
+                                        <p:attrNameLst>
+                                          <p:attrName>style.visibility</p:attrName>
+                                        </p:attrNameLst>
+                                      </p:cBhvr>
+                                      <p:to>
+                                        <p:strVal val="visible"/>
+                                      </p:to>
+                                    </p:set>
+                                  </p:childTnLst>
+                                </p:cTn>
+                              </p:par>
+                            </p:childTnLst>
+                          </p:cTn>
+                        </p:par>
+                      </p:childTnLst>
+                    </p:cTn>
+                  </p:par>
+                </p:childTnLst>
+              </p:cTn>
+              <p:prevCondLst>
+                <p:cond evt="onPrev" delay="0">
+                  <p:tgtEl>
+                    <p:sldTgt/>
+                  </p:tgtEl>
+                </p:cond>
+              </p:prevCondLst>
+              <p:nextCondLst>
+                <p:cond evt="onNext" delay="0">
+                  <p:tgtEl>
+                    <p:sldTgt/>
+                  </p:tgtEl>
+                </p:cond>
+              </p:nextCondLst>
+            </p:seq>
+          </p:childTnLst>
+        </p:cTn>
+      </p:par>
+    </p:tnLst>
+    <p:bldLst>
+      <p:bldP spid="5" grpId="0"/>
+      <p:bldP spid="6" grpId="0"/>
+    </p:bldLst>
+  </p:timing>
+</p:sld>
+</file>
+
+<file path=ppt/slides/slide6.xml><?xml version="1.0" encoding="utf-8"?>
+<p:sld xmlns:a="http://schemas.openxmlformats.org/drawingml/2006/main" xmlns:r="http://schemas.openxmlformats.org/officeDocument/2006/relationships" xmlns:p="http://schemas.openxmlformats.org/presentationml/2006/main">
+  <p:cSld>
+    <p:spTree>
+      <p:nvGrpSpPr>
+        <p:cNvPr id="1" name=""/>
+        <p:cNvGrpSpPr/>
+        <p:nvPr/>
+      </p:nvGrpSpPr>
+      <p:grpSpPr>
+        <a:xfrm>
+          <a:off x="0" y="0"/>
+          <a:ext cx="0" cy="0"/>
+          <a:chOff x="0" y="0"/>
+          <a:chExt cx="0" cy="0"/>
+        </a:xfrm>
+      </p:grpSpPr>
+      <p:sp>
+        <p:nvSpPr>
+          <p:cNvPr id="2" name="Title 1">
+            <a:extLst>
+              <a:ext uri="{FF2B5EF4-FFF2-40B4-BE49-F238E27FC236}">
+                <a16:creationId xmlns:a16="http://schemas.microsoft.com/office/drawing/2014/main" id="{AFB563CE-1DCC-491C-B8D2-0C02DF5BBBE6}"/>
+              </a:ext>
+            </a:extLst>
+          </p:cNvPr>
+          <p:cNvSpPr txBox="1">
+            <a:spLocks/>
+          </p:cNvSpPr>
+          <p:nvPr/>
+        </p:nvSpPr>
+        <p:spPr>
+          <a:xfrm>
+            <a:off x="0" y="-1"/>
+            <a:ext cx="12192000" cy="914400"/>
+          </a:xfrm>
+          <a:prstGeom prst="rect">
+            <a:avLst/>
+          </a:prstGeom>
+          <a:solidFill>
+            <a:schemeClr val="bg1"/>
+          </a:solidFill>
+        </p:spPr>
+        <p:txBody>
+          <a:bodyPr vert="horz" lIns="121920" tIns="60960" rIns="121920" bIns="60960" rtlCol="0" anchor="ctr">
+            <a:normAutofit/>
+          </a:bodyPr>
+          <a:lstStyle/>
+          <a:p>
+            <a:pPr lvl="0">
+              <a:spcBef>
+                <a:spcPct val="0"/>
+              </a:spcBef>
+            </a:pPr>
+            <a:r>
+              <a:rPr lang="en-US" sz="4267" b="1" dirty="0">
+                <a:solidFill>
+                  <a:schemeClr val="accent1">
+                    <a:lumMod val="50000"/>
+                  </a:schemeClr>
+                </a:solidFill>
+                <a:latin typeface="Arial Narrow" panose="020B0606020202030204" pitchFamily="34" charset="0"/>
+                <a:ea typeface="+mj-ea"/>
+                <a:cs typeface="Arial" panose="020B0604020202020204" pitchFamily="34" charset="0"/>
+              </a:rPr>
+              <a:t>Beating a dead horse: fitting Nickel</a:t>
+            </a:r>
+          </a:p>
+        </p:txBody>
+      </p:sp>
+      <p:sp>
+        <p:nvSpPr>
+          <p:cNvPr id="5" name="TextBox 4">
+            <a:extLst>
+              <a:ext uri="{FF2B5EF4-FFF2-40B4-BE49-F238E27FC236}">
+                <a16:creationId xmlns:a16="http://schemas.microsoft.com/office/drawing/2014/main" id="{4628B677-D57E-4824-9A96-950C2164761F}"/>
+              </a:ext>
+            </a:extLst>
+          </p:cNvPr>
+          <p:cNvSpPr txBox="1"/>
+          <p:nvPr/>
+        </p:nvSpPr>
+        <p:spPr>
+          <a:xfrm>
+            <a:off x="0" y="1081606"/>
+            <a:ext cx="8458200" cy="830997"/>
+          </a:xfrm>
+          <a:prstGeom prst="rect">
+            <a:avLst/>
+          </a:prstGeom>
+          <a:noFill/>
+        </p:spPr>
+        <p:txBody>
+          <a:bodyPr wrap="square" rtlCol="0">
+            <a:spAutoFit/>
+          </a:bodyPr>
+          <a:lstStyle/>
+          <a:p>
+            <a:pPr marL="342900" indent="-342900">
+              <a:buFont typeface="Arial" panose="020B0604020202020204" pitchFamily="34" charset="0"/>
+              <a:buChar char="•"/>
+            </a:pPr>
+            <a:r>
+              <a:rPr lang="en-US" sz="2400" dirty="0">
+                <a:latin typeface="Arial Narrow" panose="020B0606020202030204" pitchFamily="34" charset="0"/>
+              </a:rPr>
+              <a:t>Let’s look at our prototype easy example</a:t>
+            </a:r>
+          </a:p>
+          <a:p>
+            <a:pPr marL="800100" lvl="1" indent="-342900">
+              <a:buFont typeface="Arial" panose="020B0604020202020204" pitchFamily="34" charset="0"/>
+              <a:buChar char="•"/>
+            </a:pPr>
+            <a:r>
+              <a:rPr lang="en-US" sz="2400" dirty="0">
+                <a:latin typeface="Arial Narrow" panose="020B0606020202030204" pitchFamily="34" charset="0"/>
+              </a:rPr>
+              <a:t>Fit PDF of nickel standard to get instrument parameters</a:t>
+            </a:r>
+          </a:p>
+        </p:txBody>
+      </p:sp>
+    </p:spTree>
+    <p:custDataLst>
+      <p:tags r:id="rId1"/>
+    </p:custDataLst>
+    <p:extLst>
+      <p:ext uri="{BB962C8B-B14F-4D97-AF65-F5344CB8AC3E}">
+        <p14:creationId xmlns:p14="http://schemas.microsoft.com/office/powerpoint/2010/main" val="2628855602"/>
+      </p:ext>
+    </p:extLst>
+  </p:cSld>
+  <p:clrMapOvr>
+    <a:masterClrMapping/>
+  </p:clrMapOvr>
+  <mc:AlternateContent xmlns:mc="http://schemas.openxmlformats.org/markup-compatibility/2006" xmlns:p14="http://schemas.microsoft.com/office/powerpoint/2010/main">
+    <mc:Choice Requires="p14">
+      <p:transition spd="slow" p14:dur="2000" advTm="54855"/>
+    </mc:Choice>
+    <mc:Fallback xmlns="">
+      <p:transition spd="slow" advTm="54855"/>
+    </mc:Fallback>
+  </mc:AlternateContent>
+</p:sld>
+</file>
+
+<file path=ppt/slides/slide7.xml><?xml version="1.0" encoding="utf-8"?>
+<p:sld xmlns:a="http://schemas.openxmlformats.org/drawingml/2006/main" xmlns:r="http://schemas.openxmlformats.org/officeDocument/2006/relationships" xmlns:p="http://schemas.openxmlformats.org/presentationml/2006/main">
+  <p:cSld>
+    <p:spTree>
+      <p:nvGrpSpPr>
+        <p:cNvPr id="1" name=""/>
+        <p:cNvGrpSpPr/>
+        <p:nvPr/>
+      </p:nvGrpSpPr>
+      <p:grpSpPr>
+        <a:xfrm>
+          <a:off x="0" y="0"/>
+          <a:ext cx="0" cy="0"/>
+          <a:chOff x="0" y="0"/>
+          <a:chExt cx="0" cy="0"/>
+        </a:xfrm>
+      </p:grpSpPr>
+      <p:sp>
+        <p:nvSpPr>
+          <p:cNvPr id="2" name="Title 1">
+            <a:extLst>
+              <a:ext uri="{FF2B5EF4-FFF2-40B4-BE49-F238E27FC236}">
+                <a16:creationId xmlns:a16="http://schemas.microsoft.com/office/drawing/2014/main" id="{AFB563CE-1DCC-491C-B8D2-0C02DF5BBBE6}"/>
+              </a:ext>
+            </a:extLst>
+          </p:cNvPr>
+          <p:cNvSpPr txBox="1">
+            <a:spLocks/>
+          </p:cNvSpPr>
+          <p:nvPr/>
+        </p:nvSpPr>
+        <p:spPr>
+          <a:xfrm>
+            <a:off x="0" y="-1"/>
+            <a:ext cx="12192000" cy="914400"/>
+          </a:xfrm>
+          <a:prstGeom prst="rect">
+            <a:avLst/>
+          </a:prstGeom>
+          <a:solidFill>
+            <a:schemeClr val="bg1"/>
+          </a:solidFill>
+        </p:spPr>
+        <p:txBody>
+          <a:bodyPr vert="horz" lIns="121920" tIns="60960" rIns="121920" bIns="60960" rtlCol="0" anchor="ctr">
+            <a:normAutofit/>
+          </a:bodyPr>
+          <a:lstStyle/>
+          <a:p>
+            <a:pPr lvl="0">
+              <a:spcBef>
+                <a:spcPct val="0"/>
+              </a:spcBef>
+            </a:pPr>
+            <a:r>
+              <a:rPr lang="en-US" sz="4267" b="1" dirty="0">
+                <a:solidFill>
+                  <a:schemeClr val="accent1">
+                    <a:lumMod val="50000"/>
+                  </a:schemeClr>
+                </a:solidFill>
+                <a:latin typeface="Arial Narrow" panose="020B0606020202030204" pitchFamily="34" charset="0"/>
+                <a:ea typeface="+mj-ea"/>
+                <a:cs typeface="Arial" panose="020B0604020202020204" pitchFamily="34" charset="0"/>
+              </a:rPr>
+              <a:t>Dead horse reprise: Nanocrystals</a:t>
+            </a:r>
+          </a:p>
+        </p:txBody>
+      </p:sp>
+      <p:sp>
+        <p:nvSpPr>
+          <p:cNvPr id="5" name="TextBox 4">
+            <a:extLst>
+              <a:ext uri="{FF2B5EF4-FFF2-40B4-BE49-F238E27FC236}">
+                <a16:creationId xmlns:a16="http://schemas.microsoft.com/office/drawing/2014/main" id="{4628B677-D57E-4824-9A96-950C2164761F}"/>
+              </a:ext>
+            </a:extLst>
+          </p:cNvPr>
+          <p:cNvSpPr txBox="1"/>
+          <p:nvPr/>
+        </p:nvSpPr>
+        <p:spPr>
+          <a:xfrm>
+            <a:off x="0" y="1081606"/>
+            <a:ext cx="8458200" cy="830997"/>
+          </a:xfrm>
+          <a:prstGeom prst="rect">
+            <a:avLst/>
+          </a:prstGeom>
+          <a:noFill/>
+        </p:spPr>
+        <p:txBody>
+          <a:bodyPr wrap="square" rtlCol="0">
+            <a:spAutoFit/>
+          </a:bodyPr>
+          <a:lstStyle/>
+          <a:p>
+            <a:pPr marL="342900" indent="-342900">
+              <a:buFont typeface="Arial" panose="020B0604020202020204" pitchFamily="34" charset="0"/>
+              <a:buChar char="•"/>
+            </a:pPr>
+            <a:r>
+              <a:rPr lang="en-US" sz="2400" dirty="0">
+                <a:latin typeface="Arial Narrow" panose="020B0606020202030204" pitchFamily="34" charset="0"/>
+              </a:rPr>
+              <a:t>Let’s fit a nanocrystalline platinum system</a:t>
+            </a:r>
+          </a:p>
+          <a:p>
+            <a:pPr marL="800100" lvl="1" indent="-342900">
+              <a:buFont typeface="Arial" panose="020B0604020202020204" pitchFamily="34" charset="0"/>
+              <a:buChar char="•"/>
+            </a:pPr>
+            <a:r>
+              <a:rPr lang="en-US" sz="2400" dirty="0">
+                <a:latin typeface="Arial Narrow" panose="020B0606020202030204" pitchFamily="34" charset="0"/>
+              </a:rPr>
+              <a:t>We use our instrument parameters we refined in example 1</a:t>
+            </a:r>
+          </a:p>
+        </p:txBody>
+      </p:sp>
+    </p:spTree>
+    <p:custDataLst>
+      <p:tags r:id="rId1"/>
+    </p:custDataLst>
+    <p:extLst>
+      <p:ext uri="{BB962C8B-B14F-4D97-AF65-F5344CB8AC3E}">
+        <p14:creationId xmlns:p14="http://schemas.microsoft.com/office/powerpoint/2010/main" val="108280593"/>
+      </p:ext>
+    </p:extLst>
+  </p:cSld>
+  <p:clrMapOvr>
+    <a:masterClrMapping/>
+  </p:clrMapOvr>
+  <mc:AlternateContent xmlns:mc="http://schemas.openxmlformats.org/markup-compatibility/2006" xmlns:p14="http://schemas.microsoft.com/office/powerpoint/2010/main">
+    <mc:Choice Requires="p14">
+      <p:transition spd="slow" p14:dur="2000" advTm="54855"/>
+    </mc:Choice>
+    <mc:Fallback xmlns="">
+      <p:transition spd="slow" advTm="54855"/>
+    </mc:Fallback>
+  </mc:AlternateContent>
+</p:sld>
+</file>
+
+<file path=ppt/slides/slide8.xml><?xml version="1.0" encoding="utf-8"?>
+<p:sld xmlns:a="http://schemas.openxmlformats.org/drawingml/2006/main" xmlns:r="http://schemas.openxmlformats.org/officeDocument/2006/relationships" xmlns:p="http://schemas.openxmlformats.org/presentationml/2006/main">
+  <p:cSld>
+    <p:spTree>
+      <p:nvGrpSpPr>
+        <p:cNvPr id="1" name=""/>
+        <p:cNvGrpSpPr/>
+        <p:nvPr/>
+      </p:nvGrpSpPr>
+      <p:grpSpPr>
+        <a:xfrm>
+          <a:off x="0" y="0"/>
+          <a:ext cx="0" cy="0"/>
+          <a:chOff x="0" y="0"/>
+          <a:chExt cx="0" cy="0"/>
+        </a:xfrm>
+      </p:grpSpPr>
+      <p:sp>
+        <p:nvSpPr>
+          <p:cNvPr id="2" name="Title 1">
+            <a:extLst>
+              <a:ext uri="{FF2B5EF4-FFF2-40B4-BE49-F238E27FC236}">
+                <a16:creationId xmlns:a16="http://schemas.microsoft.com/office/drawing/2014/main" id="{AFB563CE-1DCC-491C-B8D2-0C02DF5BBBE6}"/>
+              </a:ext>
+            </a:extLst>
+          </p:cNvPr>
+          <p:cNvSpPr txBox="1">
+            <a:spLocks/>
+          </p:cNvSpPr>
+          <p:nvPr/>
+        </p:nvSpPr>
+        <p:spPr>
+          <a:xfrm>
+            <a:off x="0" y="-1"/>
+            <a:ext cx="12192000" cy="914400"/>
+          </a:xfrm>
+          <a:prstGeom prst="rect">
+            <a:avLst/>
+          </a:prstGeom>
+          <a:solidFill>
+            <a:schemeClr val="bg1"/>
+          </a:solidFill>
+        </p:spPr>
+        <p:txBody>
+          <a:bodyPr vert="horz" lIns="121920" tIns="60960" rIns="121920" bIns="60960" rtlCol="0" anchor="ctr">
+            <a:normAutofit/>
+          </a:bodyPr>
+          <a:lstStyle/>
+          <a:p>
+            <a:pPr lvl="0">
+              <a:spcBef>
+                <a:spcPct val="0"/>
+              </a:spcBef>
+            </a:pPr>
+            <a:r>
+              <a:rPr lang="en-US" sz="4267" b="1" dirty="0">
+                <a:solidFill>
+                  <a:schemeClr val="accent1">
+                    <a:lumMod val="50000"/>
+                  </a:schemeClr>
+                </a:solidFill>
+                <a:latin typeface="Arial Narrow" panose="020B0606020202030204" pitchFamily="34" charset="0"/>
+                <a:ea typeface="+mj-ea"/>
+                <a:cs typeface="Arial" panose="020B0604020202020204" pitchFamily="34" charset="0"/>
+              </a:rPr>
+              <a:t>Some physics: the case of SrFe</a:t>
+            </a:r>
+            <a:r>
+              <a:rPr lang="en-US" sz="4267" b="1" baseline="-25000" dirty="0">
+                <a:solidFill>
+                  <a:schemeClr val="accent1">
+                    <a:lumMod val="50000"/>
+                  </a:schemeClr>
+                </a:solidFill>
+                <a:latin typeface="Arial Narrow" panose="020B0606020202030204" pitchFamily="34" charset="0"/>
+                <a:ea typeface="+mj-ea"/>
+                <a:cs typeface="Arial" panose="020B0604020202020204" pitchFamily="34" charset="0"/>
+              </a:rPr>
+              <a:t>2</a:t>
+            </a:r>
+            <a:r>
+              <a:rPr lang="en-US" sz="4267" b="1" dirty="0">
+                <a:solidFill>
+                  <a:schemeClr val="accent1">
+                    <a:lumMod val="50000"/>
+                  </a:schemeClr>
+                </a:solidFill>
+                <a:latin typeface="Arial Narrow" panose="020B0606020202030204" pitchFamily="34" charset="0"/>
+                <a:ea typeface="+mj-ea"/>
+                <a:cs typeface="Arial" panose="020B0604020202020204" pitchFamily="34" charset="0"/>
+              </a:rPr>
+              <a:t>As</a:t>
+            </a:r>
+            <a:r>
+              <a:rPr lang="en-US" sz="4267" b="1" baseline="-25000" dirty="0">
+                <a:solidFill>
+                  <a:schemeClr val="accent1">
+                    <a:lumMod val="50000"/>
+                  </a:schemeClr>
+                </a:solidFill>
+                <a:latin typeface="Arial Narrow" panose="020B0606020202030204" pitchFamily="34" charset="0"/>
+                <a:ea typeface="+mj-ea"/>
+                <a:cs typeface="Arial" panose="020B0604020202020204" pitchFamily="34" charset="0"/>
+              </a:rPr>
+              <a:t>2</a:t>
+            </a:r>
+          </a:p>
+          <a:p>
+            <a:pPr lvl="0">
+              <a:spcBef>
+                <a:spcPct val="0"/>
+              </a:spcBef>
+            </a:pPr>
+            <a:endParaRPr lang="en-US" sz="4267" b="1" baseline="-25000" dirty="0">
+              <a:solidFill>
+                <a:schemeClr val="accent1">
+                  <a:lumMod val="50000"/>
+                </a:schemeClr>
+              </a:solidFill>
+              <a:latin typeface="Arial Narrow" panose="020B0606020202030204" pitchFamily="34" charset="0"/>
+              <a:ea typeface="+mj-ea"/>
+              <a:cs typeface="Arial" panose="020B0604020202020204" pitchFamily="34" charset="0"/>
+            </a:endParaRPr>
+          </a:p>
+        </p:txBody>
+      </p:sp>
+      <p:sp>
+        <p:nvSpPr>
+          <p:cNvPr id="5" name="TextBox 4">
+            <a:extLst>
+              <a:ext uri="{FF2B5EF4-FFF2-40B4-BE49-F238E27FC236}">
+                <a16:creationId xmlns:a16="http://schemas.microsoft.com/office/drawing/2014/main" id="{4628B677-D57E-4824-9A96-950C2164761F}"/>
+              </a:ext>
+            </a:extLst>
+          </p:cNvPr>
+          <p:cNvSpPr txBox="1"/>
+          <p:nvPr/>
+        </p:nvSpPr>
+        <p:spPr>
+          <a:xfrm>
+            <a:off x="0" y="1081606"/>
+            <a:ext cx="5124091" cy="1569660"/>
+          </a:xfrm>
+          <a:prstGeom prst="rect">
+            <a:avLst/>
+          </a:prstGeom>
+          <a:noFill/>
+        </p:spPr>
+        <p:txBody>
+          <a:bodyPr wrap="square" rtlCol="0">
+            <a:spAutoFit/>
+          </a:bodyPr>
+          <a:lstStyle/>
+          <a:p>
+            <a:pPr marL="342900" indent="-342900">
+              <a:buFont typeface="Arial" panose="020B0604020202020204" pitchFamily="34" charset="0"/>
+              <a:buChar char="•"/>
+            </a:pPr>
+            <a:r>
+              <a:rPr lang="en-US" sz="2400" dirty="0">
+                <a:latin typeface="Arial Narrow" panose="020B0606020202030204" pitchFamily="34" charset="0"/>
+              </a:rPr>
+              <a:t>Iron-based superconductor</a:t>
+            </a:r>
+          </a:p>
+          <a:p>
+            <a:pPr marL="342900" indent="-342900">
+              <a:buFont typeface="Arial" panose="020B0604020202020204" pitchFamily="34" charset="0"/>
+              <a:buChar char="•"/>
+            </a:pPr>
+            <a:r>
+              <a:rPr lang="en-US" sz="2400" dirty="0">
+                <a:latin typeface="Arial Narrow" panose="020B0606020202030204" pitchFamily="34" charset="0"/>
+              </a:rPr>
+              <a:t>Phase transition (tetragonal to orthorhombic) at about 200 K</a:t>
+            </a:r>
+          </a:p>
+          <a:p>
+            <a:pPr marL="342900" indent="-342900">
+              <a:buFont typeface="Arial" panose="020B0604020202020204" pitchFamily="34" charset="0"/>
+              <a:buChar char="•"/>
+            </a:pPr>
+            <a:r>
+              <a:rPr lang="en-US" sz="2400" dirty="0">
+                <a:latin typeface="Arial Narrow" panose="020B0606020202030204" pitchFamily="34" charset="0"/>
+              </a:rPr>
+              <a:t>Some distortions persist….</a:t>
+            </a:r>
+          </a:p>
+        </p:txBody>
+      </p:sp>
+      <p:sp>
+        <p:nvSpPr>
+          <p:cNvPr id="3" name="Rectangle 2">
+            <a:extLst>
+              <a:ext uri="{FF2B5EF4-FFF2-40B4-BE49-F238E27FC236}">
+                <a16:creationId xmlns:a16="http://schemas.microsoft.com/office/drawing/2014/main" id="{CABD6D92-1133-4F8B-B546-A82E7DBD8F05}"/>
+              </a:ext>
+            </a:extLst>
+          </p:cNvPr>
+          <p:cNvSpPr/>
+          <p:nvPr/>
+        </p:nvSpPr>
+        <p:spPr>
+          <a:xfrm>
+            <a:off x="0" y="5983428"/>
+            <a:ext cx="8082657" cy="584775"/>
+          </a:xfrm>
+          <a:prstGeom prst="rect">
+            <a:avLst/>
+          </a:prstGeom>
+        </p:spPr>
+        <p:txBody>
+          <a:bodyPr wrap="square">
+            <a:spAutoFit/>
+          </a:bodyPr>
+          <a:lstStyle/>
+          <a:p>
+            <a:r>
+              <a:rPr lang="en-US" dirty="0"/>
+              <a:t>B. A. Frandsen </a:t>
+            </a:r>
+            <a:r>
+              <a:rPr lang="en-US" i="1" dirty="0"/>
+              <a:t>et al.</a:t>
+            </a:r>
+            <a:r>
+              <a:rPr lang="en-US" dirty="0"/>
+              <a:t> </a:t>
+            </a:r>
+            <a:r>
+              <a:rPr lang="en-US" i="1" dirty="0"/>
+              <a:t>Phys. Rev. Lett</a:t>
+            </a:r>
+            <a:r>
+              <a:rPr lang="en-US" dirty="0"/>
+              <a:t>. </a:t>
+            </a:r>
+            <a:r>
+              <a:rPr lang="en-US" b="1" dirty="0"/>
+              <a:t>119</a:t>
+            </a:r>
+            <a:r>
+              <a:rPr lang="en-US" dirty="0"/>
+              <a:t>, 187001 2017</a:t>
+            </a:r>
+            <a:endParaRPr lang="en-US" sz="1400" dirty="0">
+              <a:solidFill>
+                <a:srgbClr val="222222"/>
+              </a:solidFill>
+              <a:latin typeface="Helvetica Neue"/>
+            </a:endParaRPr>
+          </a:p>
+          <a:p>
+            <a:r>
+              <a:rPr lang="en-US" sz="1400" dirty="0">
+                <a:solidFill>
+                  <a:srgbClr val="222222"/>
+                </a:solidFill>
+                <a:latin typeface="Helvetica Neue"/>
+              </a:rPr>
+              <a:t>https://doi.org/10.1103/PhysRevLett.119.187001</a:t>
+            </a:r>
+            <a:endParaRPr lang="en-US" sz="1400" dirty="0"/>
+          </a:p>
+        </p:txBody>
+      </p:sp>
+      <p:pic>
+        <p:nvPicPr>
+          <p:cNvPr id="4" name="Picture 3">
+            <a:extLst>
+              <a:ext uri="{FF2B5EF4-FFF2-40B4-BE49-F238E27FC236}">
+                <a16:creationId xmlns:a16="http://schemas.microsoft.com/office/drawing/2014/main" id="{CF339295-6334-4261-9CA6-E688FAC2F6D5}"/>
+              </a:ext>
+            </a:extLst>
+          </p:cNvPr>
+          <p:cNvPicPr>
+            <a:picLocks noChangeAspect="1"/>
+          </p:cNvPicPr>
+          <p:nvPr/>
+        </p:nvPicPr>
+        <p:blipFill>
+          <a:blip r:embed="rId4"/>
+          <a:stretch>
+            <a:fillRect/>
+          </a:stretch>
+        </p:blipFill>
+        <p:spPr>
+          <a:xfrm>
+            <a:off x="5400136" y="914399"/>
+            <a:ext cx="6367454" cy="4827613"/>
+          </a:xfrm>
+          <a:prstGeom prst="rect">
+            <a:avLst/>
+          </a:prstGeom>
+        </p:spPr>
+      </p:pic>
+    </p:spTree>
+    <p:custDataLst>
+      <p:tags r:id="rId1"/>
+    </p:custDataLst>
+    <p:extLst>
+      <p:ext uri="{BB962C8B-B14F-4D97-AF65-F5344CB8AC3E}">
+        <p14:creationId xmlns:p14="http://schemas.microsoft.com/office/powerpoint/2010/main" val="3375413946"/>
+      </p:ext>
+    </p:extLst>
+  </p:cSld>
+  <p:clrMapOvr>
+    <a:masterClrMapping/>
+  </p:clrMapOvr>
+  <mc:AlternateContent xmlns:mc="http://schemas.openxmlformats.org/markup-compatibility/2006" xmlns:p14="http://schemas.microsoft.com/office/powerpoint/2010/main">
+    <mc:Choice Requires="p14">
+      <p:transition spd="slow" p14:dur="2000" advTm="54855"/>
+    </mc:Choice>
+    <mc:Fallback xmlns="">
+      <p:transition spd="slow" advTm="54855"/>
+    </mc:Fallback>
+  </mc:AlternateContent>
+</p:sld>
+</file>
+
 <file path=ppt/tags/tag1.xml><?xml version="1.0" encoding="utf-8"?>
+<p:tagLst xmlns:a="http://schemas.openxmlformats.org/drawingml/2006/main" xmlns:r="http://schemas.openxmlformats.org/officeDocument/2006/relationships" xmlns:p="http://schemas.openxmlformats.org/presentationml/2006/main">
+  <p:tag name="TIMING" val="|21|19.3"/>
+</p:tagLst>
+</file>
+
+<file path=ppt/tags/tag2.xml><?xml version="1.0" encoding="utf-8"?>
+<p:tagLst xmlns:a="http://schemas.openxmlformats.org/drawingml/2006/main" xmlns:r="http://schemas.openxmlformats.org/officeDocument/2006/relationships" xmlns:p="http://schemas.openxmlformats.org/presentationml/2006/main">
+  <p:tag name="TIMING" val="|21|19.3"/>
+</p:tagLst>
+</file>
+
+<file path=ppt/tags/tag3.xml><?xml version="1.0" encoding="utf-8"?>
+<p:tagLst xmlns:a="http://schemas.openxmlformats.org/drawingml/2006/main" xmlns:r="http://schemas.openxmlformats.org/officeDocument/2006/relationships" xmlns:p="http://schemas.openxmlformats.org/presentationml/2006/main">
+  <p:tag name="TIMING" val="|21|19.3"/>
+</p:tagLst>
+</file>
+
+<file path=ppt/tags/tag4.xml><?xml version="1.0" encoding="utf-8"?>
+<p:tagLst xmlns:a="http://schemas.openxmlformats.org/drawingml/2006/main" xmlns:r="http://schemas.openxmlformats.org/officeDocument/2006/relationships" xmlns:p="http://schemas.openxmlformats.org/presentationml/2006/main">
+  <p:tag name="TIMING" val="|21|19.3"/>
+</p:tagLst>
+</file>
+
+<file path=ppt/tags/tag5.xml><?xml version="1.0" encoding="utf-8"?>
+<p:tagLst xmlns:a="http://schemas.openxmlformats.org/drawingml/2006/main" xmlns:r="http://schemas.openxmlformats.org/officeDocument/2006/relationships" xmlns:p="http://schemas.openxmlformats.org/presentationml/2006/main">
+  <p:tag name="TIMING" val="|21|19.3"/>
+</p:tagLst>
+</file>
+
+<file path=ppt/tags/tag6.xml><?xml version="1.0" encoding="utf-8"?>
+<p:tagLst xmlns:a="http://schemas.openxmlformats.org/drawingml/2006/main" xmlns:r="http://schemas.openxmlformats.org/officeDocument/2006/relationships" xmlns:p="http://schemas.openxmlformats.org/presentationml/2006/main">
+  <p:tag name="TIMING" val="|21|19.3"/>
+</p:tagLst>
+</file>
+
+<file path=ppt/tags/tag7.xml><?xml version="1.0" encoding="utf-8"?>
 <p:tagLst xmlns:a="http://schemas.openxmlformats.org/drawingml/2006/main" xmlns:r="http://schemas.openxmlformats.org/officeDocument/2006/relationships" xmlns:p="http://schemas.openxmlformats.org/presentationml/2006/main">
   <p:tag name="TIMING" val="|21|19.3"/>
 </p:tagLst>
